--- a/Poster.pptx
+++ b/Poster.pptx
@@ -244,7 +244,7 @@
             </a:lvl1pPr>
           </a:lstStyle>
           <a:p>
-            <a:endParaRPr lang="en-US"/>
+            <a:endParaRPr lang="en-US" dirty="0"/>
           </a:p>
         </p:txBody>
       </p:sp>
@@ -277,9 +277,9 @@
           <a:p>
             <a:fld id="{BD1CB04D-1C75-43E0-9B64-B7DDAA42BB2C}" type="datetimeFigureOut">
               <a:rPr lang="en-US" smtClean="0"/>
-              <a:t>5/2/2024</a:t>
+              <a:t>5/4/2024</a:t>
             </a:fld>
-            <a:endParaRPr lang="en-US"/>
+            <a:endParaRPr lang="en-US" dirty="0"/>
           </a:p>
         </p:txBody>
       </p:sp>
@@ -312,7 +312,7 @@
           <a:bodyPr vert="horz" lIns="91440" tIns="45720" rIns="91440" bIns="45720" rtlCol="0" anchor="ctr"/>
           <a:lstStyle/>
           <a:p>
-            <a:endParaRPr lang="en-US"/>
+            <a:endParaRPr lang="en-US" dirty="0"/>
           </a:p>
         </p:txBody>
       </p:sp>
@@ -402,7 +402,7 @@
             </a:lvl1pPr>
           </a:lstStyle>
           <a:p>
-            <a:endParaRPr lang="en-US"/>
+            <a:endParaRPr lang="en-US" dirty="0"/>
           </a:p>
         </p:txBody>
       </p:sp>
@@ -437,7 +437,7 @@
               <a:rPr lang="en-US" smtClean="0"/>
               <a:t>‹#›</a:t>
             </a:fld>
-            <a:endParaRPr lang="en-US"/>
+            <a:endParaRPr lang="en-US" dirty="0"/>
           </a:p>
         </p:txBody>
       </p:sp>
@@ -588,86 +588,6 @@
           <a:bodyPr/>
           <a:lstStyle/>
           <a:p>
-            <a:r>
-              <a:rPr lang="en-US" dirty="0"/>
-              <a:t>Notes:</a:t>
-            </a:r>
-          </a:p>
-          <a:p>
-            <a:pPr marL="171450" indent="-171450">
-              <a:buFont typeface="Arial" panose="020B0604020202020204" pitchFamily="34" charset="0"/>
-              <a:buChar char="•"/>
-            </a:pPr>
-            <a:r>
-              <a:rPr lang="en-US" dirty="0"/>
-              <a:t>In </a:t>
-            </a:r>
-            <a:r>
-              <a:rPr lang="en-US" dirty="0" err="1"/>
-              <a:t>Powerpoint</a:t>
-            </a:r>
-            <a:r>
-              <a:rPr lang="en-US" dirty="0"/>
-              <a:t>, click View &gt; Guides</a:t>
-            </a:r>
-          </a:p>
-          <a:p>
-            <a:pPr marL="171450" indent="-171450">
-              <a:buFont typeface="Arial" panose="020B0604020202020204" pitchFamily="34" charset="0"/>
-              <a:buChar char="•"/>
-            </a:pPr>
-            <a:r>
-              <a:rPr lang="en-US" dirty="0"/>
-              <a:t>Keep text within gutter guides.</a:t>
-            </a:r>
-          </a:p>
-          <a:p>
-            <a:pPr marL="171450" indent="-171450">
-              <a:buFont typeface="Arial" panose="020B0604020202020204" pitchFamily="34" charset="0"/>
-              <a:buChar char="•"/>
-            </a:pPr>
-            <a:r>
-              <a:rPr lang="en-US" dirty="0"/>
-              <a:t>Author list: Don’t split names onto two lines (e.g., “Jimmy [break] Smith”). If that happens, use a new line, unless you need the space. </a:t>
-            </a:r>
-            <a:r>
-              <a:rPr lang="en-US" b="1" dirty="0"/>
-              <a:t>Bold the first names of anybody who’s presenting</a:t>
-            </a:r>
-            <a:r>
-              <a:rPr lang="en-US" dirty="0"/>
-              <a:t> in person.</a:t>
-            </a:r>
-          </a:p>
-          <a:p>
-            <a:pPr marL="171450" indent="-171450">
-              <a:buFont typeface="Arial" panose="020B0604020202020204" pitchFamily="34" charset="0"/>
-              <a:buChar char="•"/>
-            </a:pPr>
-            <a:r>
-              <a:rPr lang="en-US" dirty="0"/>
-              <a:t>Intro/methods/result: </a:t>
-            </a:r>
-            <a:r>
-              <a:rPr lang="en-US" b="1" dirty="0"/>
-              <a:t>Do not drop below font size 28</a:t>
-            </a:r>
-            <a:r>
-              <a:rPr lang="en-US" dirty="0"/>
-              <a:t>, but if you have extra space, jack up the font size until the space is full.</a:t>
-            </a:r>
-          </a:p>
-          <a:p>
-            <a:pPr marL="171450" indent="-171450">
-              <a:buFont typeface="Arial" panose="020B0604020202020204" pitchFamily="34" charset="0"/>
-              <a:buChar char="•"/>
-            </a:pPr>
-            <a:r>
-              <a:rPr lang="en-US" dirty="0"/>
-              <a:t>Do not use color in the sidebars except in graphs/figures. It’ll pull attention from the center and slow interpretation for passersby.</a:t>
-            </a:r>
-          </a:p>
-          <a:p>
             <a:pPr marL="0" indent="0">
               <a:buFont typeface="Arial" panose="020B0604020202020204" pitchFamily="34" charset="0"/>
               <a:buNone/>
@@ -695,7 +615,7 @@
               <a:rPr lang="en-US" smtClean="0"/>
               <a:t>1</a:t>
             </a:fld>
-            <a:endParaRPr lang="en-US"/>
+            <a:endParaRPr lang="en-US" dirty="0"/>
           </a:p>
         </p:txBody>
       </p:sp>
@@ -843,9 +763,9 @@
           <a:p>
             <a:fld id="{3F135061-2F74-46D4-9F8F-C77EF304855D}" type="datetimeFigureOut">
               <a:rPr lang="en-US" smtClean="0"/>
-              <a:t>5/2/2024</a:t>
+              <a:t>5/4/2024</a:t>
             </a:fld>
-            <a:endParaRPr lang="en-US"/>
+            <a:endParaRPr lang="en-US" dirty="0"/>
           </a:p>
         </p:txBody>
       </p:sp>
@@ -864,7 +784,7 @@
           <a:bodyPr/>
           <a:lstStyle/>
           <a:p>
-            <a:endParaRPr lang="en-US"/>
+            <a:endParaRPr lang="en-US" dirty="0"/>
           </a:p>
         </p:txBody>
       </p:sp>
@@ -887,7 +807,7 @@
               <a:rPr lang="en-US" smtClean="0"/>
               <a:t>‹#›</a:t>
             </a:fld>
-            <a:endParaRPr lang="en-US"/>
+            <a:endParaRPr lang="en-US" dirty="0"/>
           </a:p>
         </p:txBody>
       </p:sp>
@@ -1013,9 +933,9 @@
           <a:p>
             <a:fld id="{3F135061-2F74-46D4-9F8F-C77EF304855D}" type="datetimeFigureOut">
               <a:rPr lang="en-US" smtClean="0"/>
-              <a:t>5/2/2024</a:t>
+              <a:t>5/4/2024</a:t>
             </a:fld>
-            <a:endParaRPr lang="en-US"/>
+            <a:endParaRPr lang="en-US" dirty="0"/>
           </a:p>
         </p:txBody>
       </p:sp>
@@ -1034,7 +954,7 @@
           <a:bodyPr/>
           <a:lstStyle/>
           <a:p>
-            <a:endParaRPr lang="en-US"/>
+            <a:endParaRPr lang="en-US" dirty="0"/>
           </a:p>
         </p:txBody>
       </p:sp>
@@ -1057,7 +977,7 @@
               <a:rPr lang="en-US" smtClean="0"/>
               <a:t>‹#›</a:t>
             </a:fld>
-            <a:endParaRPr lang="en-US"/>
+            <a:endParaRPr lang="en-US" dirty="0"/>
           </a:p>
         </p:txBody>
       </p:sp>
@@ -1193,9 +1113,9 @@
           <a:p>
             <a:fld id="{3F135061-2F74-46D4-9F8F-C77EF304855D}" type="datetimeFigureOut">
               <a:rPr lang="en-US" smtClean="0"/>
-              <a:t>5/2/2024</a:t>
+              <a:t>5/4/2024</a:t>
             </a:fld>
-            <a:endParaRPr lang="en-US"/>
+            <a:endParaRPr lang="en-US" dirty="0"/>
           </a:p>
         </p:txBody>
       </p:sp>
@@ -1214,7 +1134,7 @@
           <a:bodyPr/>
           <a:lstStyle/>
           <a:p>
-            <a:endParaRPr lang="en-US"/>
+            <a:endParaRPr lang="en-US" dirty="0"/>
           </a:p>
         </p:txBody>
       </p:sp>
@@ -1237,7 +1157,7 @@
               <a:rPr lang="en-US" smtClean="0"/>
               <a:t>‹#›</a:t>
             </a:fld>
-            <a:endParaRPr lang="en-US"/>
+            <a:endParaRPr lang="en-US" dirty="0"/>
           </a:p>
         </p:txBody>
       </p:sp>
@@ -1363,9 +1283,9 @@
           <a:p>
             <a:fld id="{3F135061-2F74-46D4-9F8F-C77EF304855D}" type="datetimeFigureOut">
               <a:rPr lang="en-US" smtClean="0"/>
-              <a:t>5/2/2024</a:t>
+              <a:t>5/4/2024</a:t>
             </a:fld>
-            <a:endParaRPr lang="en-US"/>
+            <a:endParaRPr lang="en-US" dirty="0"/>
           </a:p>
         </p:txBody>
       </p:sp>
@@ -1384,7 +1304,7 @@
           <a:bodyPr/>
           <a:lstStyle/>
           <a:p>
-            <a:endParaRPr lang="en-US"/>
+            <a:endParaRPr lang="en-US" dirty="0"/>
           </a:p>
         </p:txBody>
       </p:sp>
@@ -1407,7 +1327,7 @@
               <a:rPr lang="en-US" smtClean="0"/>
               <a:t>‹#›</a:t>
             </a:fld>
-            <a:endParaRPr lang="en-US"/>
+            <a:endParaRPr lang="en-US" dirty="0"/>
           </a:p>
         </p:txBody>
       </p:sp>
@@ -1607,9 +1527,9 @@
           <a:p>
             <a:fld id="{3F135061-2F74-46D4-9F8F-C77EF304855D}" type="datetimeFigureOut">
               <a:rPr lang="en-US" smtClean="0"/>
-              <a:t>5/2/2024</a:t>
+              <a:t>5/4/2024</a:t>
             </a:fld>
-            <a:endParaRPr lang="en-US"/>
+            <a:endParaRPr lang="en-US" dirty="0"/>
           </a:p>
         </p:txBody>
       </p:sp>
@@ -1628,7 +1548,7 @@
           <a:bodyPr/>
           <a:lstStyle/>
           <a:p>
-            <a:endParaRPr lang="en-US"/>
+            <a:endParaRPr lang="en-US" dirty="0"/>
           </a:p>
         </p:txBody>
       </p:sp>
@@ -1651,7 +1571,7 @@
               <a:rPr lang="en-US" smtClean="0"/>
               <a:t>‹#›</a:t>
             </a:fld>
-            <a:endParaRPr lang="en-US"/>
+            <a:endParaRPr lang="en-US" dirty="0"/>
           </a:p>
         </p:txBody>
       </p:sp>
@@ -1839,9 +1759,9 @@
           <a:p>
             <a:fld id="{3F135061-2F74-46D4-9F8F-C77EF304855D}" type="datetimeFigureOut">
               <a:rPr lang="en-US" smtClean="0"/>
-              <a:t>5/2/2024</a:t>
+              <a:t>5/4/2024</a:t>
             </a:fld>
-            <a:endParaRPr lang="en-US"/>
+            <a:endParaRPr lang="en-US" dirty="0"/>
           </a:p>
         </p:txBody>
       </p:sp>
@@ -1860,7 +1780,7 @@
           <a:bodyPr/>
           <a:lstStyle/>
           <a:p>
-            <a:endParaRPr lang="en-US"/>
+            <a:endParaRPr lang="en-US" dirty="0"/>
           </a:p>
         </p:txBody>
       </p:sp>
@@ -1883,7 +1803,7 @@
               <a:rPr lang="en-US" smtClean="0"/>
               <a:t>‹#›</a:t>
             </a:fld>
-            <a:endParaRPr lang="en-US"/>
+            <a:endParaRPr lang="en-US" dirty="0"/>
           </a:p>
         </p:txBody>
       </p:sp>
@@ -2206,9 +2126,9 @@
           <a:p>
             <a:fld id="{3F135061-2F74-46D4-9F8F-C77EF304855D}" type="datetimeFigureOut">
               <a:rPr lang="en-US" smtClean="0"/>
-              <a:t>5/2/2024</a:t>
+              <a:t>5/4/2024</a:t>
             </a:fld>
-            <a:endParaRPr lang="en-US"/>
+            <a:endParaRPr lang="en-US" dirty="0"/>
           </a:p>
         </p:txBody>
       </p:sp>
@@ -2227,7 +2147,7 @@
           <a:bodyPr/>
           <a:lstStyle/>
           <a:p>
-            <a:endParaRPr lang="en-US"/>
+            <a:endParaRPr lang="en-US" dirty="0"/>
           </a:p>
         </p:txBody>
       </p:sp>
@@ -2250,7 +2170,7 @@
               <a:rPr lang="en-US" smtClean="0"/>
               <a:t>‹#›</a:t>
             </a:fld>
-            <a:endParaRPr lang="en-US"/>
+            <a:endParaRPr lang="en-US" dirty="0"/>
           </a:p>
         </p:txBody>
       </p:sp>
@@ -2324,9 +2244,9 @@
           <a:p>
             <a:fld id="{3F135061-2F74-46D4-9F8F-C77EF304855D}" type="datetimeFigureOut">
               <a:rPr lang="en-US" smtClean="0"/>
-              <a:t>5/2/2024</a:t>
+              <a:t>5/4/2024</a:t>
             </a:fld>
-            <a:endParaRPr lang="en-US"/>
+            <a:endParaRPr lang="en-US" dirty="0"/>
           </a:p>
         </p:txBody>
       </p:sp>
@@ -2345,7 +2265,7 @@
           <a:bodyPr/>
           <a:lstStyle/>
           <a:p>
-            <a:endParaRPr lang="en-US"/>
+            <a:endParaRPr lang="en-US" dirty="0"/>
           </a:p>
         </p:txBody>
       </p:sp>
@@ -2368,7 +2288,7 @@
               <a:rPr lang="en-US" smtClean="0"/>
               <a:t>‹#›</a:t>
             </a:fld>
-            <a:endParaRPr lang="en-US"/>
+            <a:endParaRPr lang="en-US" dirty="0"/>
           </a:p>
         </p:txBody>
       </p:sp>
@@ -2419,9 +2339,9 @@
           <a:p>
             <a:fld id="{3F135061-2F74-46D4-9F8F-C77EF304855D}" type="datetimeFigureOut">
               <a:rPr lang="en-US" smtClean="0"/>
-              <a:t>5/2/2024</a:t>
+              <a:t>5/4/2024</a:t>
             </a:fld>
-            <a:endParaRPr lang="en-US"/>
+            <a:endParaRPr lang="en-US" dirty="0"/>
           </a:p>
         </p:txBody>
       </p:sp>
@@ -2440,7 +2360,7 @@
           <a:bodyPr/>
           <a:lstStyle/>
           <a:p>
-            <a:endParaRPr lang="en-US"/>
+            <a:endParaRPr lang="en-US" dirty="0"/>
           </a:p>
         </p:txBody>
       </p:sp>
@@ -2463,7 +2383,7 @@
               <a:rPr lang="en-US" smtClean="0"/>
               <a:t>‹#›</a:t>
             </a:fld>
-            <a:endParaRPr lang="en-US"/>
+            <a:endParaRPr lang="en-US" dirty="0"/>
           </a:p>
         </p:txBody>
       </p:sp>
@@ -2696,9 +2616,9 @@
           <a:p>
             <a:fld id="{3F135061-2F74-46D4-9F8F-C77EF304855D}" type="datetimeFigureOut">
               <a:rPr lang="en-US" smtClean="0"/>
-              <a:t>5/2/2024</a:t>
+              <a:t>5/4/2024</a:t>
             </a:fld>
-            <a:endParaRPr lang="en-US"/>
+            <a:endParaRPr lang="en-US" dirty="0"/>
           </a:p>
         </p:txBody>
       </p:sp>
@@ -2717,7 +2637,7 @@
           <a:bodyPr/>
           <a:lstStyle/>
           <a:p>
-            <a:endParaRPr lang="en-US"/>
+            <a:endParaRPr lang="en-US" dirty="0"/>
           </a:p>
         </p:txBody>
       </p:sp>
@@ -2740,7 +2660,7 @@
               <a:rPr lang="en-US" smtClean="0"/>
               <a:t>‹#›</a:t>
             </a:fld>
-            <a:endParaRPr lang="en-US"/>
+            <a:endParaRPr lang="en-US" dirty="0"/>
           </a:p>
         </p:txBody>
       </p:sp>
@@ -2864,10 +2784,9 @@
           </a:lstStyle>
           <a:p>
             <a:r>
-              <a:rPr lang="en-US"/>
+              <a:rPr lang="en-US" dirty="0"/>
               <a:t>Click icon to add picture</a:t>
             </a:r>
-            <a:endParaRPr lang="en-US" dirty="0"/>
           </a:p>
         </p:txBody>
       </p:sp>
@@ -2953,9 +2872,9 @@
           <a:p>
             <a:fld id="{3F135061-2F74-46D4-9F8F-C77EF304855D}" type="datetimeFigureOut">
               <a:rPr lang="en-US" smtClean="0"/>
-              <a:t>5/2/2024</a:t>
+              <a:t>5/4/2024</a:t>
             </a:fld>
-            <a:endParaRPr lang="en-US"/>
+            <a:endParaRPr lang="en-US" dirty="0"/>
           </a:p>
         </p:txBody>
       </p:sp>
@@ -2974,7 +2893,7 @@
           <a:bodyPr/>
           <a:lstStyle/>
           <a:p>
-            <a:endParaRPr lang="en-US"/>
+            <a:endParaRPr lang="en-US" dirty="0"/>
           </a:p>
         </p:txBody>
       </p:sp>
@@ -2997,7 +2916,7 @@
               <a:rPr lang="en-US" smtClean="0"/>
               <a:t>‹#›</a:t>
             </a:fld>
-            <a:endParaRPr lang="en-US"/>
+            <a:endParaRPr lang="en-US" dirty="0"/>
           </a:p>
         </p:txBody>
       </p:sp>
@@ -3166,9 +3085,9 @@
           <a:p>
             <a:fld id="{3F135061-2F74-46D4-9F8F-C77EF304855D}" type="datetimeFigureOut">
               <a:rPr lang="en-US" smtClean="0"/>
-              <a:t>5/2/2024</a:t>
+              <a:t>5/4/2024</a:t>
             </a:fld>
-            <a:endParaRPr lang="en-US"/>
+            <a:endParaRPr lang="en-US" dirty="0"/>
           </a:p>
         </p:txBody>
       </p:sp>
@@ -3205,7 +3124,7 @@
             </a:lvl1pPr>
           </a:lstStyle>
           <a:p>
-            <a:endParaRPr lang="en-US"/>
+            <a:endParaRPr lang="en-US" dirty="0"/>
           </a:p>
         </p:txBody>
       </p:sp>
@@ -3246,7 +3165,7 @@
               <a:rPr lang="en-US" smtClean="0"/>
               <a:t>‹#›</a:t>
             </a:fld>
-            <a:endParaRPr lang="en-US"/>
+            <a:endParaRPr lang="en-US" dirty="0"/>
           </a:p>
         </p:txBody>
       </p:sp>
@@ -3666,7 +3585,7 @@
         </p:nvSpPr>
         <p:spPr>
           <a:xfrm>
-            <a:off x="-1" y="0"/>
+            <a:off x="-11818" y="0"/>
             <a:ext cx="12991019" cy="32918400"/>
           </a:xfrm>
           <a:prstGeom prst="rect">
@@ -3705,16 +3624,12 @@
               </a:lnSpc>
             </a:pPr>
             <a:r>
-              <a:rPr lang="cs-CZ" sz="1800" b="1">
+              <a:rPr lang="cs-CZ" sz="1800" b="1" dirty="0">
                 <a:latin typeface="Lato" panose="020F0502020204030203" pitchFamily="34" charset="0"/>
                 <a:cs typeface="Segoe UI" panose="020B0502040204020203" pitchFamily="34" charset="0"/>
               </a:rPr>
               <a:t>Jiří Novák</a:t>
             </a:r>
-            <a:endParaRPr lang="cs-CZ" sz="1800" b="1" dirty="0">
-              <a:latin typeface="Lato" panose="020F0502020204030203" pitchFamily="34" charset="0"/>
-              <a:cs typeface="Segoe UI" panose="020B0502040204020203" pitchFamily="34" charset="0"/>
-            </a:endParaRPr>
           </a:p>
         </p:txBody>
       </p:sp>
@@ -4267,552 +4182,6 @@
           </a:p>
         </p:txBody>
       </p:sp>
-      <p:sp>
-        <p:nvSpPr>
-          <p:cNvPr id="9" name="Graphic 7">
-            <a:extLst>
-              <a:ext uri="{FF2B5EF4-FFF2-40B4-BE49-F238E27FC236}">
-                <a16:creationId xmlns:a16="http://schemas.microsoft.com/office/drawing/2014/main" id="{9914F9AF-0FB9-4924-8DCA-B46EEB713FE9}"/>
-              </a:ext>
-            </a:extLst>
-          </p:cNvPr>
-          <p:cNvSpPr/>
-          <p:nvPr/>
-        </p:nvSpPr>
-        <p:spPr>
-          <a:xfrm>
-            <a:off x="18329346" y="28402488"/>
-            <a:ext cx="1256803" cy="2173929"/>
-          </a:xfrm>
-          <a:custGeom>
-            <a:avLst/>
-            <a:gdLst>
-              <a:gd name="connsiteX0" fmla="*/ 321256 w 2089376"/>
-              <a:gd name="connsiteY0" fmla="*/ 0 h 3614056"/>
-              <a:gd name="connsiteX1" fmla="*/ 0 w 2089376"/>
-              <a:gd name="connsiteY1" fmla="*/ 321256 h 3614056"/>
-              <a:gd name="connsiteX2" fmla="*/ 0 w 2089376"/>
-              <a:gd name="connsiteY2" fmla="*/ 3292801 h 3614056"/>
-              <a:gd name="connsiteX3" fmla="*/ 321256 w 2089376"/>
-              <a:gd name="connsiteY3" fmla="*/ 3614057 h 3614056"/>
-              <a:gd name="connsiteX4" fmla="*/ 1815047 w 2089376"/>
-              <a:gd name="connsiteY4" fmla="*/ 3614057 h 3614056"/>
-              <a:gd name="connsiteX5" fmla="*/ 2136303 w 2089376"/>
-              <a:gd name="connsiteY5" fmla="*/ 3292801 h 3614056"/>
-              <a:gd name="connsiteX6" fmla="*/ 2136303 w 2089376"/>
-              <a:gd name="connsiteY6" fmla="*/ 321256 h 3614056"/>
-              <a:gd name="connsiteX7" fmla="*/ 1815047 w 2089376"/>
-              <a:gd name="connsiteY7" fmla="*/ 0 h 3614056"/>
-              <a:gd name="connsiteX8" fmla="*/ 321256 w 2089376"/>
-              <a:gd name="connsiteY8" fmla="*/ 0 h 3614056"/>
-              <a:gd name="connsiteX9" fmla="*/ 889115 w 2089376"/>
-              <a:gd name="connsiteY9" fmla="*/ 309397 h 3614056"/>
-              <a:gd name="connsiteX10" fmla="*/ 1247302 w 2089376"/>
-              <a:gd name="connsiteY10" fmla="*/ 309397 h 3614056"/>
-              <a:gd name="connsiteX11" fmla="*/ 1289936 w 2089376"/>
-              <a:gd name="connsiteY11" fmla="*/ 369650 h 3614056"/>
-              <a:gd name="connsiteX12" fmla="*/ 1247302 w 2089376"/>
-              <a:gd name="connsiteY12" fmla="*/ 429903 h 3614056"/>
-              <a:gd name="connsiteX13" fmla="*/ 889115 w 2089376"/>
-              <a:gd name="connsiteY13" fmla="*/ 429903 h 3614056"/>
-              <a:gd name="connsiteX14" fmla="*/ 846480 w 2089376"/>
-              <a:gd name="connsiteY14" fmla="*/ 369650 h 3614056"/>
-              <a:gd name="connsiteX15" fmla="*/ 889115 w 2089376"/>
-              <a:gd name="connsiteY15" fmla="*/ 309397 h 3614056"/>
-              <a:gd name="connsiteX16" fmla="*/ 176468 w 2089376"/>
-              <a:gd name="connsiteY16" fmla="*/ 738905 h 3614056"/>
-              <a:gd name="connsiteX17" fmla="*/ 1959892 w 2089376"/>
-              <a:gd name="connsiteY17" fmla="*/ 738905 h 3614056"/>
-              <a:gd name="connsiteX18" fmla="*/ 1959892 w 2089376"/>
-              <a:gd name="connsiteY18" fmla="*/ 2875208 h 3614056"/>
-              <a:gd name="connsiteX19" fmla="*/ 176468 w 2089376"/>
-              <a:gd name="connsiteY19" fmla="*/ 2875208 h 3614056"/>
-              <a:gd name="connsiteX20" fmla="*/ 176468 w 2089376"/>
-              <a:gd name="connsiteY20" fmla="*/ 738905 h 3614056"/>
-              <a:gd name="connsiteX21" fmla="*/ 1068180 w 2089376"/>
-              <a:gd name="connsiteY21" fmla="*/ 3045747 h 3614056"/>
-              <a:gd name="connsiteX22" fmla="*/ 1068180 w 2089376"/>
-              <a:gd name="connsiteY22" fmla="*/ 3045747 h 3614056"/>
-              <a:gd name="connsiteX23" fmla="*/ 1267066 w 2089376"/>
-              <a:gd name="connsiteY23" fmla="*/ 3244633 h 3614056"/>
-              <a:gd name="connsiteX24" fmla="*/ 1267066 w 2089376"/>
-              <a:gd name="connsiteY24" fmla="*/ 3244633 h 3614056"/>
-              <a:gd name="connsiteX25" fmla="*/ 1267066 w 2089376"/>
-              <a:gd name="connsiteY25" fmla="*/ 3244633 h 3614056"/>
-              <a:gd name="connsiteX26" fmla="*/ 1267066 w 2089376"/>
-              <a:gd name="connsiteY26" fmla="*/ 3244633 h 3614056"/>
-              <a:gd name="connsiteX27" fmla="*/ 1068180 w 2089376"/>
-              <a:gd name="connsiteY27" fmla="*/ 3443519 h 3614056"/>
-              <a:gd name="connsiteX28" fmla="*/ 1068180 w 2089376"/>
-              <a:gd name="connsiteY28" fmla="*/ 3443519 h 3614056"/>
-              <a:gd name="connsiteX29" fmla="*/ 1068180 w 2089376"/>
-              <a:gd name="connsiteY29" fmla="*/ 3443519 h 3614056"/>
-              <a:gd name="connsiteX30" fmla="*/ 1068180 w 2089376"/>
-              <a:gd name="connsiteY30" fmla="*/ 3443519 h 3614056"/>
-              <a:gd name="connsiteX31" fmla="*/ 869294 w 2089376"/>
-              <a:gd name="connsiteY31" fmla="*/ 3244633 h 3614056"/>
-              <a:gd name="connsiteX32" fmla="*/ 869294 w 2089376"/>
-              <a:gd name="connsiteY32" fmla="*/ 3244633 h 3614056"/>
-              <a:gd name="connsiteX33" fmla="*/ 869294 w 2089376"/>
-              <a:gd name="connsiteY33" fmla="*/ 3244633 h 3614056"/>
-              <a:gd name="connsiteX34" fmla="*/ 869294 w 2089376"/>
-              <a:gd name="connsiteY34" fmla="*/ 3244633 h 3614056"/>
-              <a:gd name="connsiteX35" fmla="*/ 1068180 w 2089376"/>
-              <a:gd name="connsiteY35" fmla="*/ 3045747 h 3614056"/>
-              <a:gd name="connsiteX36" fmla="*/ 1068180 w 2089376"/>
-              <a:gd name="connsiteY36" fmla="*/ 3045747 h 3614056"/>
-              <a:gd name="connsiteX37" fmla="*/ 1068180 w 2089376"/>
-              <a:gd name="connsiteY37" fmla="*/ 3045747 h 3614056"/>
-            </a:gdLst>
-            <a:ahLst/>
-            <a:cxnLst>
-              <a:cxn ang="0">
-                <a:pos x="connsiteX0" y="connsiteY0"/>
-              </a:cxn>
-              <a:cxn ang="0">
-                <a:pos x="connsiteX1" y="connsiteY1"/>
-              </a:cxn>
-              <a:cxn ang="0">
-                <a:pos x="connsiteX2" y="connsiteY2"/>
-              </a:cxn>
-              <a:cxn ang="0">
-                <a:pos x="connsiteX3" y="connsiteY3"/>
-              </a:cxn>
-              <a:cxn ang="0">
-                <a:pos x="connsiteX4" y="connsiteY4"/>
-              </a:cxn>
-              <a:cxn ang="0">
-                <a:pos x="connsiteX5" y="connsiteY5"/>
-              </a:cxn>
-              <a:cxn ang="0">
-                <a:pos x="connsiteX6" y="connsiteY6"/>
-              </a:cxn>
-              <a:cxn ang="0">
-                <a:pos x="connsiteX7" y="connsiteY7"/>
-              </a:cxn>
-              <a:cxn ang="0">
-                <a:pos x="connsiteX8" y="connsiteY8"/>
-              </a:cxn>
-              <a:cxn ang="0">
-                <a:pos x="connsiteX9" y="connsiteY9"/>
-              </a:cxn>
-              <a:cxn ang="0">
-                <a:pos x="connsiteX10" y="connsiteY10"/>
-              </a:cxn>
-              <a:cxn ang="0">
-                <a:pos x="connsiteX11" y="connsiteY11"/>
-              </a:cxn>
-              <a:cxn ang="0">
-                <a:pos x="connsiteX12" y="connsiteY12"/>
-              </a:cxn>
-              <a:cxn ang="0">
-                <a:pos x="connsiteX13" y="connsiteY13"/>
-              </a:cxn>
-              <a:cxn ang="0">
-                <a:pos x="connsiteX14" y="connsiteY14"/>
-              </a:cxn>
-              <a:cxn ang="0">
-                <a:pos x="connsiteX15" y="connsiteY15"/>
-              </a:cxn>
-              <a:cxn ang="0">
-                <a:pos x="connsiteX16" y="connsiteY16"/>
-              </a:cxn>
-              <a:cxn ang="0">
-                <a:pos x="connsiteX17" y="connsiteY17"/>
-              </a:cxn>
-              <a:cxn ang="0">
-                <a:pos x="connsiteX18" y="connsiteY18"/>
-              </a:cxn>
-              <a:cxn ang="0">
-                <a:pos x="connsiteX19" y="connsiteY19"/>
-              </a:cxn>
-              <a:cxn ang="0">
-                <a:pos x="connsiteX20" y="connsiteY20"/>
-              </a:cxn>
-              <a:cxn ang="0">
-                <a:pos x="connsiteX21" y="connsiteY21"/>
-              </a:cxn>
-              <a:cxn ang="0">
-                <a:pos x="connsiteX22" y="connsiteY22"/>
-              </a:cxn>
-              <a:cxn ang="0">
-                <a:pos x="connsiteX23" y="connsiteY23"/>
-              </a:cxn>
-              <a:cxn ang="0">
-                <a:pos x="connsiteX24" y="connsiteY24"/>
-              </a:cxn>
-              <a:cxn ang="0">
-                <a:pos x="connsiteX25" y="connsiteY25"/>
-              </a:cxn>
-              <a:cxn ang="0">
-                <a:pos x="connsiteX26" y="connsiteY26"/>
-              </a:cxn>
-              <a:cxn ang="0">
-                <a:pos x="connsiteX27" y="connsiteY27"/>
-              </a:cxn>
-              <a:cxn ang="0">
-                <a:pos x="connsiteX28" y="connsiteY28"/>
-              </a:cxn>
-              <a:cxn ang="0">
-                <a:pos x="connsiteX29" y="connsiteY29"/>
-              </a:cxn>
-              <a:cxn ang="0">
-                <a:pos x="connsiteX30" y="connsiteY30"/>
-              </a:cxn>
-              <a:cxn ang="0">
-                <a:pos x="connsiteX31" y="connsiteY31"/>
-              </a:cxn>
-              <a:cxn ang="0">
-                <a:pos x="connsiteX32" y="connsiteY32"/>
-              </a:cxn>
-              <a:cxn ang="0">
-                <a:pos x="connsiteX33" y="connsiteY33"/>
-              </a:cxn>
-              <a:cxn ang="0">
-                <a:pos x="connsiteX34" y="connsiteY34"/>
-              </a:cxn>
-              <a:cxn ang="0">
-                <a:pos x="connsiteX35" y="connsiteY35"/>
-              </a:cxn>
-              <a:cxn ang="0">
-                <a:pos x="connsiteX36" y="connsiteY36"/>
-              </a:cxn>
-              <a:cxn ang="0">
-                <a:pos x="connsiteX37" y="connsiteY37"/>
-              </a:cxn>
-            </a:cxnLst>
-            <a:rect l="l" t="t" r="r" b="b"/>
-            <a:pathLst>
-              <a:path w="2089376" h="3614056">
-                <a:moveTo>
-                  <a:pt x="321256" y="0"/>
-                </a:moveTo>
-                <a:cubicBezTo>
-                  <a:pt x="144562" y="0"/>
-                  <a:pt x="0" y="144562"/>
-                  <a:pt x="0" y="321256"/>
-                </a:cubicBezTo>
-                <a:lnTo>
-                  <a:pt x="0" y="3292801"/>
-                </a:lnTo>
-                <a:cubicBezTo>
-                  <a:pt x="0" y="3469495"/>
-                  <a:pt x="144562" y="3614057"/>
-                  <a:pt x="321256" y="3614057"/>
-                </a:cubicBezTo>
-                <a:lnTo>
-                  <a:pt x="1815047" y="3614057"/>
-                </a:lnTo>
-                <a:cubicBezTo>
-                  <a:pt x="1991741" y="3614057"/>
-                  <a:pt x="2136303" y="3469495"/>
-                  <a:pt x="2136303" y="3292801"/>
-                </a:cubicBezTo>
-                <a:lnTo>
-                  <a:pt x="2136303" y="321256"/>
-                </a:lnTo>
-                <a:cubicBezTo>
-                  <a:pt x="2136303" y="144562"/>
-                  <a:pt x="1991741" y="0"/>
-                  <a:pt x="1815047" y="0"/>
-                </a:cubicBezTo>
-                <a:lnTo>
-                  <a:pt x="321256" y="0"/>
-                </a:lnTo>
-                <a:close/>
-                <a:moveTo>
-                  <a:pt x="889115" y="309397"/>
-                </a:moveTo>
-                <a:lnTo>
-                  <a:pt x="1247302" y="309397"/>
-                </a:lnTo>
-                <a:cubicBezTo>
-                  <a:pt x="1270849" y="309397"/>
-                  <a:pt x="1289936" y="336390"/>
-                  <a:pt x="1289936" y="369650"/>
-                </a:cubicBezTo>
-                <a:cubicBezTo>
-                  <a:pt x="1289936" y="402911"/>
-                  <a:pt x="1270849" y="429903"/>
-                  <a:pt x="1247302" y="429903"/>
-                </a:cubicBezTo>
-                <a:lnTo>
-                  <a:pt x="889115" y="429903"/>
-                </a:lnTo>
-                <a:cubicBezTo>
-                  <a:pt x="865567" y="429903"/>
-                  <a:pt x="846480" y="402911"/>
-                  <a:pt x="846480" y="369650"/>
-                </a:cubicBezTo>
-                <a:cubicBezTo>
-                  <a:pt x="846480" y="336390"/>
-                  <a:pt x="865567" y="309397"/>
-                  <a:pt x="889115" y="309397"/>
-                </a:cubicBezTo>
-                <a:close/>
-                <a:moveTo>
-                  <a:pt x="176468" y="738905"/>
-                </a:moveTo>
-                <a:lnTo>
-                  <a:pt x="1959892" y="738905"/>
-                </a:lnTo>
-                <a:lnTo>
-                  <a:pt x="1959892" y="2875208"/>
-                </a:lnTo>
-                <a:lnTo>
-                  <a:pt x="176468" y="2875208"/>
-                </a:lnTo>
-                <a:lnTo>
-                  <a:pt x="176468" y="738905"/>
-                </a:lnTo>
-                <a:close/>
-                <a:moveTo>
-                  <a:pt x="1068180" y="3045747"/>
-                </a:moveTo>
-                <a:cubicBezTo>
-                  <a:pt x="1068180" y="3045747"/>
-                  <a:pt x="1068180" y="3045747"/>
-                  <a:pt x="1068180" y="3045747"/>
-                </a:cubicBezTo>
-                <a:cubicBezTo>
-                  <a:pt x="1178013" y="3045747"/>
-                  <a:pt x="1267066" y="3134799"/>
-                  <a:pt x="1267066" y="3244633"/>
-                </a:cubicBezTo>
-                <a:cubicBezTo>
-                  <a:pt x="1267066" y="3244633"/>
-                  <a:pt x="1267066" y="3244633"/>
-                  <a:pt x="1267066" y="3244633"/>
-                </a:cubicBezTo>
-                <a:lnTo>
-                  <a:pt x="1267066" y="3244633"/>
-                </a:lnTo>
-                <a:cubicBezTo>
-                  <a:pt x="1267066" y="3244633"/>
-                  <a:pt x="1267066" y="3244633"/>
-                  <a:pt x="1267066" y="3244633"/>
-                </a:cubicBezTo>
-                <a:cubicBezTo>
-                  <a:pt x="1267066" y="3354466"/>
-                  <a:pt x="1178013" y="3443519"/>
-                  <a:pt x="1068180" y="3443519"/>
-                </a:cubicBezTo>
-                <a:cubicBezTo>
-                  <a:pt x="1068180" y="3443519"/>
-                  <a:pt x="1068180" y="3443519"/>
-                  <a:pt x="1068180" y="3443519"/>
-                </a:cubicBezTo>
-                <a:lnTo>
-                  <a:pt x="1068180" y="3443519"/>
-                </a:lnTo>
-                <a:cubicBezTo>
-                  <a:pt x="1068180" y="3443519"/>
-                  <a:pt x="1068180" y="3443519"/>
-                  <a:pt x="1068180" y="3443519"/>
-                </a:cubicBezTo>
-                <a:cubicBezTo>
-                  <a:pt x="958346" y="3443519"/>
-                  <a:pt x="869294" y="3354466"/>
-                  <a:pt x="869294" y="3244633"/>
-                </a:cubicBezTo>
-                <a:cubicBezTo>
-                  <a:pt x="869294" y="3244633"/>
-                  <a:pt x="869294" y="3244633"/>
-                  <a:pt x="869294" y="3244633"/>
-                </a:cubicBezTo>
-                <a:lnTo>
-                  <a:pt x="869294" y="3244633"/>
-                </a:lnTo>
-                <a:cubicBezTo>
-                  <a:pt x="869294" y="3244633"/>
-                  <a:pt x="869294" y="3244633"/>
-                  <a:pt x="869294" y="3244633"/>
-                </a:cubicBezTo>
-                <a:cubicBezTo>
-                  <a:pt x="869294" y="3134799"/>
-                  <a:pt x="958346" y="3045747"/>
-                  <a:pt x="1068180" y="3045747"/>
-                </a:cubicBezTo>
-                <a:cubicBezTo>
-                  <a:pt x="1068180" y="3045747"/>
-                  <a:pt x="1068180" y="3045747"/>
-                  <a:pt x="1068180" y="3045747"/>
-                </a:cubicBezTo>
-                <a:lnTo>
-                  <a:pt x="1068180" y="3045747"/>
-                </a:lnTo>
-                <a:close/>
-              </a:path>
-            </a:pathLst>
-          </a:custGeom>
-          <a:solidFill>
-            <a:srgbClr val="CDCDCD"/>
-          </a:solidFill>
-          <a:ln w="56406" cap="flat">
-            <a:noFill/>
-            <a:prstDash val="solid"/>
-            <a:miter/>
-          </a:ln>
-        </p:spPr>
-        <p:txBody>
-          <a:bodyPr rtlCol="0" anchor="ctr"/>
-          <a:lstStyle/>
-          <a:p>
-            <a:endParaRPr lang="en-US">
-              <a:solidFill>
-                <a:schemeClr val="bg1">
-                  <a:lumMod val="85000"/>
-                </a:schemeClr>
-              </a:solidFill>
-            </a:endParaRPr>
-          </a:p>
-        </p:txBody>
-      </p:sp>
-      <p:sp>
-        <p:nvSpPr>
-          <p:cNvPr id="19" name="TextBox 18">
-            <a:extLst>
-              <a:ext uri="{FF2B5EF4-FFF2-40B4-BE49-F238E27FC236}">
-                <a16:creationId xmlns:a16="http://schemas.microsoft.com/office/drawing/2014/main" id="{315520EB-0F65-403D-A973-B17B2A4C2E9D}"/>
-              </a:ext>
-            </a:extLst>
-          </p:cNvPr>
-          <p:cNvSpPr txBox="1"/>
-          <p:nvPr/>
-        </p:nvSpPr>
-        <p:spPr>
-          <a:xfrm>
-            <a:off x="20010311" y="28501422"/>
-            <a:ext cx="8077384" cy="1569660"/>
-          </a:xfrm>
-          <a:prstGeom prst="rect">
-            <a:avLst/>
-          </a:prstGeom>
-          <a:noFill/>
-        </p:spPr>
-        <p:txBody>
-          <a:bodyPr wrap="square" rtlCol="0">
-            <a:spAutoFit/>
-          </a:bodyPr>
-          <a:lstStyle/>
-          <a:p>
-            <a:r>
-              <a:rPr lang="en-US" sz="4800" dirty="0">
-                <a:solidFill>
-                  <a:srgbClr val="CDCDCD"/>
-                </a:solidFill>
-                <a:latin typeface="Lato Black" panose="020F0A02020204030203" pitchFamily="34" charset="0"/>
-                <a:cs typeface="Arial" panose="020B0604020202020204" pitchFamily="34" charset="0"/>
-              </a:rPr>
-              <a:t>Take a picture</a:t>
-            </a:r>
-            <a:r>
-              <a:rPr lang="en-US" sz="4800" dirty="0">
-                <a:solidFill>
-                  <a:srgbClr val="CDCDCD"/>
-                </a:solidFill>
-                <a:latin typeface="Lato" panose="020F0502020204030203" pitchFamily="34" charset="0"/>
-                <a:cs typeface="Arial" panose="020B0604020202020204" pitchFamily="34" charset="0"/>
-              </a:rPr>
-              <a:t> to </a:t>
-            </a:r>
-            <a:br>
-              <a:rPr lang="en-US" sz="4800" dirty="0">
-                <a:solidFill>
-                  <a:srgbClr val="CDCDCD"/>
-                </a:solidFill>
-                <a:latin typeface="Lato" panose="020F0502020204030203" pitchFamily="34" charset="0"/>
-                <a:cs typeface="Arial" panose="020B0604020202020204" pitchFamily="34" charset="0"/>
-              </a:rPr>
-            </a:br>
-            <a:r>
-              <a:rPr lang="en-US" sz="4800" dirty="0">
-                <a:solidFill>
-                  <a:srgbClr val="CDCDCD"/>
-                </a:solidFill>
-                <a:latin typeface="Lato Black" panose="020F0A02020204030203" pitchFamily="34" charset="0"/>
-                <a:cs typeface="Arial" panose="020B0604020202020204" pitchFamily="34" charset="0"/>
-              </a:rPr>
-              <a:t>download</a:t>
-            </a:r>
-            <a:r>
-              <a:rPr lang="en-US" sz="4800" dirty="0">
-                <a:solidFill>
-                  <a:srgbClr val="CDCDCD"/>
-                </a:solidFill>
-                <a:latin typeface="Lato" panose="020F0502020204030203" pitchFamily="34" charset="0"/>
-                <a:cs typeface="Arial" panose="020B0604020202020204" pitchFamily="34" charset="0"/>
-              </a:rPr>
-              <a:t> the</a:t>
-            </a:r>
-            <a:r>
-              <a:rPr lang="en-US" sz="4800" b="1" dirty="0">
-                <a:solidFill>
-                  <a:srgbClr val="CDCDCD"/>
-                </a:solidFill>
-                <a:latin typeface="Lato" panose="020F0502020204030203" pitchFamily="34" charset="0"/>
-                <a:cs typeface="Arial" panose="020B0604020202020204" pitchFamily="34" charset="0"/>
-              </a:rPr>
-              <a:t> </a:t>
-            </a:r>
-            <a:r>
-              <a:rPr lang="en-US" sz="4800" dirty="0">
-                <a:solidFill>
-                  <a:srgbClr val="CDCDCD"/>
-                </a:solidFill>
-                <a:latin typeface="Lato Black" panose="020F0A02020204030203" pitchFamily="34" charset="0"/>
-                <a:cs typeface="Arial" panose="020B0604020202020204" pitchFamily="34" charset="0"/>
-              </a:rPr>
-              <a:t>full paper</a:t>
-            </a:r>
-          </a:p>
-        </p:txBody>
-      </p:sp>
-      <p:cxnSp>
-        <p:nvCxnSpPr>
-          <p:cNvPr id="24" name="Straight Arrow Connector 23">
-            <a:extLst>
-              <a:ext uri="{FF2B5EF4-FFF2-40B4-BE49-F238E27FC236}">
-                <a16:creationId xmlns:a16="http://schemas.microsoft.com/office/drawing/2014/main" id="{32B70FBA-A2DF-453C-9792-CA6E8DB0D343}"/>
-              </a:ext>
-            </a:extLst>
-          </p:cNvPr>
-          <p:cNvCxnSpPr>
-            <a:cxnSpLocks/>
-          </p:cNvCxnSpPr>
-          <p:nvPr/>
-        </p:nvCxnSpPr>
-        <p:spPr>
-          <a:xfrm flipH="1">
-            <a:off x="16936172" y="29408785"/>
-            <a:ext cx="1297464" cy="0"/>
-          </a:xfrm>
-          <a:prstGeom prst="straightConnector1">
-            <a:avLst/>
-          </a:prstGeom>
-          <a:ln w="66675">
-            <a:solidFill>
-              <a:schemeClr val="bg1"/>
-            </a:solidFill>
-            <a:prstDash val="sysDot"/>
-            <a:tailEnd type="triangle"/>
-          </a:ln>
-        </p:spPr>
-        <p:style>
-          <a:lnRef idx="1">
-            <a:schemeClr val="accent1"/>
-          </a:lnRef>
-          <a:fillRef idx="0">
-            <a:schemeClr val="accent1"/>
-          </a:fillRef>
-          <a:effectRef idx="0">
-            <a:schemeClr val="accent1"/>
-          </a:effectRef>
-          <a:fontRef idx="minor">
-            <a:schemeClr val="tx1"/>
-          </a:fontRef>
-        </p:style>
-      </p:cxnSp>
       <p:sp>
         <p:nvSpPr>
           <p:cNvPr id="17" name="Graphic 18">
@@ -5010,7 +4379,7 @@
           <a:bodyPr rtlCol="0" anchor="ctr"/>
           <a:lstStyle/>
           <a:p>
-            <a:endParaRPr lang="en-US"/>
+            <a:endParaRPr lang="en-US" dirty="0"/>
           </a:p>
         </p:txBody>
       </p:sp>
@@ -5222,45 +4591,6 @@
           </a:p>
         </p:txBody>
       </p:sp>
-      <p:pic>
-        <p:nvPicPr>
-          <p:cNvPr id="14" name="Graphic 13">
-            <a:extLst>
-              <a:ext uri="{FF2B5EF4-FFF2-40B4-BE49-F238E27FC236}">
-                <a16:creationId xmlns:a16="http://schemas.microsoft.com/office/drawing/2014/main" id="{8469FA09-6407-4240-A302-A9681C46F182}"/>
-              </a:ext>
-            </a:extLst>
-          </p:cNvPr>
-          <p:cNvPicPr>
-            <a:picLocks noChangeAspect="1"/>
-          </p:cNvPicPr>
-          <p:nvPr/>
-        </p:nvPicPr>
-        <p:blipFill>
-          <a:blip r:embed="rId3">
-            <a:extLst>
-              <a:ext uri="{28A0092B-C50C-407E-A947-70E740481C1C}">
-                <a14:useLocalDpi xmlns:a14="http://schemas.microsoft.com/office/drawing/2010/main" val="0"/>
-              </a:ext>
-              <a:ext uri="{96DAC541-7B7A-43D3-8B79-37D633B846F1}">
-                <asvg:svgBlip xmlns:asvg="http://schemas.microsoft.com/office/drawing/2016/SVG/main" r:embed="rId4"/>
-              </a:ext>
-            </a:extLst>
-          </a:blip>
-          <a:stretch>
-            <a:fillRect/>
-          </a:stretch>
-        </p:blipFill>
-        <p:spPr>
-          <a:xfrm>
-            <a:off x="12979201" y="27597921"/>
-            <a:ext cx="3783061" cy="3783061"/>
-          </a:xfrm>
-          <a:prstGeom prst="rect">
-            <a:avLst/>
-          </a:prstGeom>
-        </p:spPr>
-      </p:pic>
       <p:pic>
         <p:nvPicPr>
           <p:cNvPr id="27" name="Graphic 26">
@@ -5276,10 +4606,10 @@
           <p:nvPr/>
         </p:nvPicPr>
         <p:blipFill>
-          <a:blip r:embed="rId5">
+          <a:blip r:embed="rId3">
             <a:extLst>
               <a:ext uri="{96DAC541-7B7A-43D3-8B79-37D633B846F1}">
-                <asvg:svgBlip xmlns:asvg="http://schemas.microsoft.com/office/drawing/2016/SVG/main" r:embed="rId6"/>
+                <asvg:svgBlip xmlns:asvg="http://schemas.microsoft.com/office/drawing/2016/SVG/main" r:embed="rId4"/>
               </a:ext>
             </a:extLst>
           </a:blip>
@@ -5312,7 +4642,7 @@
           <p:nvPr/>
         </p:nvPicPr>
         <p:blipFill rotWithShape="1">
-          <a:blip r:embed="rId7">
+          <a:blip r:embed="rId5">
             <a:extLst>
               <a:ext uri="{28A0092B-C50C-407E-A947-70E740481C1C}">
                 <a14:useLocalDpi xmlns:a14="http://schemas.microsoft.com/office/drawing/2010/main" val="0"/>
@@ -5361,7 +4691,7 @@
           <p:nvPr/>
         </p:nvPicPr>
         <p:blipFill>
-          <a:blip r:embed="rId8">
+          <a:blip r:embed="rId6">
             <a:extLst>
               <a:ext uri="{28A0092B-C50C-407E-A947-70E740481C1C}">
                 <a14:useLocalDpi xmlns:a14="http://schemas.microsoft.com/office/drawing/2010/main" val="0"/>
@@ -5397,7 +4727,7 @@
           <p:nvPr/>
         </p:nvPicPr>
         <p:blipFill rotWithShape="1">
-          <a:blip r:embed="rId9">
+          <a:blip r:embed="rId7">
             <a:extLst>
               <a:ext uri="{28A0092B-C50C-407E-A947-70E740481C1C}">
                 <a14:useLocalDpi xmlns:a14="http://schemas.microsoft.com/office/drawing/2010/main" val="0"/>
@@ -5432,7 +4762,7 @@
           <p:nvPr/>
         </p:nvPicPr>
         <p:blipFill>
-          <a:blip r:embed="rId10">
+          <a:blip r:embed="rId8">
             <a:extLst>
               <a:ext uri="{28A0092B-C50C-407E-A947-70E740481C1C}">
                 <a14:useLocalDpi xmlns:a14="http://schemas.microsoft.com/office/drawing/2010/main" val="0"/>
@@ -5499,6 +4829,384 @@
           </a:p>
         </p:txBody>
       </p:sp>
+      <p:sp>
+        <p:nvSpPr>
+          <p:cNvPr id="4" name="TextBox 2">
+            <a:extLst>
+              <a:ext uri="{FF2B5EF4-FFF2-40B4-BE49-F238E27FC236}">
+                <a16:creationId xmlns:a16="http://schemas.microsoft.com/office/drawing/2014/main" id="{BE7BD027-1D8D-B9C9-0BAA-12877EC7FE7A}"/>
+              </a:ext>
+            </a:extLst>
+          </p:cNvPr>
+          <p:cNvSpPr txBox="1"/>
+          <p:nvPr/>
+        </p:nvSpPr>
+        <p:spPr>
+          <a:xfrm>
+            <a:off x="2272129" y="25529944"/>
+            <a:ext cx="10707072" cy="6664132"/>
+          </a:xfrm>
+          <a:prstGeom prst="rect">
+            <a:avLst/>
+          </a:prstGeom>
+          <a:noFill/>
+        </p:spPr>
+        <p:txBody>
+          <a:bodyPr wrap="square" rtlCol="0">
+            <a:spAutoFit/>
+          </a:bodyPr>
+          <a:lstStyle/>
+          <a:p>
+            <a:pPr>
+              <a:lnSpc>
+                <a:spcPct val="120000"/>
+              </a:lnSpc>
+            </a:pPr>
+            <a:r>
+              <a:rPr lang="en-US" sz="3600" b="1" dirty="0">
+                <a:latin typeface="Lato" panose="020F0502020204030203" pitchFamily="34" charset="0"/>
+                <a:cs typeface="Segoe UI" panose="020B0502040204020203" pitchFamily="34" charset="0"/>
+              </a:rPr>
+              <a:t>Open Science, Open Access, Open Data</a:t>
+            </a:r>
+          </a:p>
+          <a:p>
+            <a:pPr marL="571500" indent="-571500">
+              <a:lnSpc>
+                <a:spcPct val="120000"/>
+              </a:lnSpc>
+              <a:buFont typeface="Arial" panose="020B0604020202020204" pitchFamily="34" charset="0"/>
+              <a:buChar char="•"/>
+            </a:pPr>
+            <a:r>
+              <a:rPr lang="en-US" sz="3600" dirty="0">
+                <a:latin typeface="Lato" panose="020F0502020204030203" pitchFamily="34" charset="0"/>
+                <a:cs typeface="Segoe UI" panose="020B0502040204020203" pitchFamily="34" charset="0"/>
+              </a:rPr>
+              <a:t>Research</a:t>
+            </a:r>
+            <a:r>
+              <a:rPr lang="cs-CZ" sz="3600" dirty="0">
+                <a:latin typeface="Lato" panose="020F0502020204030203" pitchFamily="34" charset="0"/>
+                <a:cs typeface="Segoe UI" panose="020B0502040204020203" pitchFamily="34" charset="0"/>
+              </a:rPr>
+              <a:t> </a:t>
+            </a:r>
+            <a:r>
+              <a:rPr lang="en-US" sz="3600" dirty="0">
+                <a:latin typeface="Lato" panose="020F0502020204030203" pitchFamily="34" charset="0"/>
+                <a:cs typeface="Segoe UI" panose="020B0502040204020203" pitchFamily="34" charset="0"/>
+              </a:rPr>
+              <a:t>data that results from publicly funded research </a:t>
+            </a:r>
+            <a:r>
+              <a:rPr lang="en-US" sz="3600" noProof="1">
+                <a:latin typeface="Lato" panose="020F0502020204030203" pitchFamily="34" charset="0"/>
+                <a:cs typeface="Segoe UI" panose="020B0502040204020203" pitchFamily="34" charset="0"/>
+              </a:rPr>
+              <a:t>should be</a:t>
+            </a:r>
+          </a:p>
+          <a:p>
+            <a:pPr marL="1028700" lvl="1" indent="-571500">
+              <a:lnSpc>
+                <a:spcPct val="120000"/>
+              </a:lnSpc>
+              <a:buFont typeface="Wingdings" panose="05000000000000000000" pitchFamily="2" charset="2"/>
+              <a:buChar char="Ø"/>
+            </a:pPr>
+            <a:r>
+              <a:rPr lang="en-US" sz="3600" b="1" dirty="0">
+                <a:latin typeface="Lato" panose="020F0502020204030203" pitchFamily="34" charset="0"/>
+                <a:cs typeface="Segoe UI" panose="020B0502040204020203" pitchFamily="34" charset="0"/>
+              </a:rPr>
+              <a:t>findable</a:t>
+            </a:r>
+            <a:r>
+              <a:rPr lang="en-US" sz="3600" dirty="0">
+                <a:latin typeface="Lato" panose="020F0502020204030203" pitchFamily="34" charset="0"/>
+                <a:cs typeface="Segoe UI" panose="020B0502040204020203" pitchFamily="34" charset="0"/>
+              </a:rPr>
+              <a:t>, </a:t>
+            </a:r>
+            <a:r>
+              <a:rPr lang="en-US" sz="3600" b="1" dirty="0">
+                <a:latin typeface="Lato" panose="020F0502020204030203" pitchFamily="34" charset="0"/>
+                <a:cs typeface="Segoe UI" panose="020B0502040204020203" pitchFamily="34" charset="0"/>
+              </a:rPr>
+              <a:t>accessible</a:t>
+            </a:r>
+            <a:r>
+              <a:rPr lang="en-US" sz="3600" dirty="0">
+                <a:latin typeface="Lato" panose="020F0502020204030203" pitchFamily="34" charset="0"/>
+                <a:cs typeface="Segoe UI" panose="020B0502040204020203" pitchFamily="34" charset="0"/>
+              </a:rPr>
+              <a:t>, </a:t>
+            </a:r>
+            <a:r>
+              <a:rPr lang="en-US" sz="3600" b="1" dirty="0">
+                <a:latin typeface="Lato" panose="020F0502020204030203" pitchFamily="34" charset="0"/>
+                <a:cs typeface="Segoe UI" panose="020B0502040204020203" pitchFamily="34" charset="0"/>
+              </a:rPr>
+              <a:t>interoperable</a:t>
+            </a:r>
+            <a:r>
+              <a:rPr lang="cs-CZ" sz="3600" dirty="0">
+                <a:latin typeface="Lato" panose="020F0502020204030203" pitchFamily="34" charset="0"/>
+                <a:cs typeface="Segoe UI" panose="020B0502040204020203" pitchFamily="34" charset="0"/>
+              </a:rPr>
+              <a:t>, </a:t>
+            </a:r>
+            <a:r>
+              <a:rPr lang="en-US" sz="3600" b="1" dirty="0">
+                <a:latin typeface="Lato" panose="020F0502020204030203" pitchFamily="34" charset="0"/>
+                <a:cs typeface="Segoe UI" panose="020B0502040204020203" pitchFamily="34" charset="0"/>
+              </a:rPr>
+              <a:t>reusable</a:t>
+            </a:r>
+            <a:r>
+              <a:rPr lang="en-US" sz="3600" dirty="0">
+                <a:latin typeface="Lato" panose="020F0502020204030203" pitchFamily="34" charset="0"/>
+                <a:cs typeface="Segoe UI" panose="020B0502040204020203" pitchFamily="34" charset="0"/>
+              </a:rPr>
+              <a:t> (‘FAIR principles’)</a:t>
+            </a:r>
+            <a:endParaRPr lang="cs-CZ" sz="3600" dirty="0">
+              <a:latin typeface="Lato" panose="020F0502020204030203" pitchFamily="34" charset="0"/>
+              <a:cs typeface="Segoe UI" panose="020B0502040204020203" pitchFamily="34" charset="0"/>
+            </a:endParaRPr>
+          </a:p>
+          <a:p>
+            <a:pPr marL="1028700" lvl="1" indent="-571500">
+              <a:lnSpc>
+                <a:spcPct val="120000"/>
+              </a:lnSpc>
+              <a:buFont typeface="Wingdings" panose="05000000000000000000" pitchFamily="2" charset="2"/>
+              <a:buChar char="Ø"/>
+            </a:pPr>
+            <a:r>
+              <a:rPr lang="en-US" sz="3600" dirty="0">
+                <a:latin typeface="Lato" panose="020F0502020204030203" pitchFamily="34" charset="0"/>
+                <a:cs typeface="Segoe UI" panose="020B0502040204020203" pitchFamily="34" charset="0"/>
+              </a:rPr>
+              <a:t>therefore</a:t>
+            </a:r>
+            <a:r>
+              <a:rPr lang="cs-CZ" sz="3600" dirty="0">
+                <a:latin typeface="Lato" panose="020F0502020204030203" pitchFamily="34" charset="0"/>
+                <a:cs typeface="Segoe UI" panose="020B0502040204020203" pitchFamily="34" charset="0"/>
+              </a:rPr>
+              <a:t> </a:t>
+            </a:r>
+            <a:r>
+              <a:rPr lang="en-US" sz="3600" b="1" dirty="0">
+                <a:latin typeface="Lato" panose="020F0502020204030203" pitchFamily="34" charset="0"/>
+                <a:cs typeface="Segoe UI" panose="020B0502040204020203" pitchFamily="34" charset="0"/>
+              </a:rPr>
+              <a:t>replicable</a:t>
+            </a:r>
+            <a:r>
+              <a:rPr lang="cs-CZ" sz="3600" dirty="0">
+                <a:latin typeface="Lato" panose="020F0502020204030203" pitchFamily="34" charset="0"/>
+                <a:cs typeface="Segoe UI" panose="020B0502040204020203" pitchFamily="34" charset="0"/>
+              </a:rPr>
+              <a:t>, </a:t>
+            </a:r>
+            <a:r>
+              <a:rPr lang="en-US" sz="3600" b="1" dirty="0">
+                <a:latin typeface="Lato" panose="020F0502020204030203" pitchFamily="34" charset="0"/>
+                <a:cs typeface="Segoe UI" panose="020B0502040204020203" pitchFamily="34" charset="0"/>
+              </a:rPr>
+              <a:t>transparent</a:t>
+            </a:r>
+            <a:r>
+              <a:rPr lang="en-US" sz="3600" dirty="0">
+                <a:latin typeface="Lato" panose="020F0502020204030203" pitchFamily="34" charset="0"/>
+                <a:cs typeface="Segoe UI" panose="020B0502040204020203" pitchFamily="34" charset="0"/>
+              </a:rPr>
+              <a:t>,</a:t>
+            </a:r>
+            <a:r>
+              <a:rPr lang="cs-CZ" sz="3600" dirty="0">
+                <a:latin typeface="Lato" panose="020F0502020204030203" pitchFamily="34" charset="0"/>
+                <a:cs typeface="Segoe UI" panose="020B0502040204020203" pitchFamily="34" charset="0"/>
+              </a:rPr>
+              <a:t> </a:t>
+            </a:r>
+            <a:r>
+              <a:rPr lang="en-US" sz="3600" b="1" dirty="0">
+                <a:latin typeface="Lato" panose="020F0502020204030203" pitchFamily="34" charset="0"/>
+                <a:cs typeface="Segoe UI" panose="020B0502040204020203" pitchFamily="34" charset="0"/>
+              </a:rPr>
+              <a:t>trustworthy</a:t>
+            </a:r>
+            <a:endParaRPr lang="cs-CZ" sz="3600" b="1" dirty="0">
+              <a:latin typeface="Lato" panose="020F0502020204030203" pitchFamily="34" charset="0"/>
+              <a:cs typeface="Segoe UI" panose="020B0502040204020203" pitchFamily="34" charset="0"/>
+            </a:endParaRPr>
+          </a:p>
+          <a:p>
+            <a:pPr marL="1028700" lvl="1" indent="-571500">
+              <a:lnSpc>
+                <a:spcPct val="120000"/>
+              </a:lnSpc>
+              <a:buFont typeface="Wingdings" panose="05000000000000000000" pitchFamily="2" charset="2"/>
+              <a:buChar char="Ø"/>
+            </a:pPr>
+            <a:r>
+              <a:rPr lang="en-US" sz="3600" dirty="0">
+                <a:latin typeface="Lato" panose="020F0502020204030203" pitchFamily="34" charset="0"/>
+                <a:cs typeface="Segoe UI" panose="020B0502040204020203" pitchFamily="34" charset="0"/>
+              </a:rPr>
+              <a:t>as open as possible, as closed as necessary</a:t>
+            </a:r>
+          </a:p>
+          <a:p>
+            <a:pPr marL="571500" lvl="1" indent="-571500">
+              <a:lnSpc>
+                <a:spcPct val="120000"/>
+              </a:lnSpc>
+              <a:buFont typeface="Arial" panose="020B0604020202020204" pitchFamily="34" charset="0"/>
+              <a:buChar char="•"/>
+            </a:pPr>
+            <a:r>
+              <a:rPr lang="en-US" sz="3600" dirty="0">
+                <a:latin typeface="Lato" panose="020F0502020204030203" pitchFamily="34" charset="0"/>
+                <a:cs typeface="Segoe UI" panose="020B0502040204020203" pitchFamily="34" charset="0"/>
+                <a:hlinkClick r:id="rId9"/>
+              </a:rPr>
+              <a:t>Commission Recommendation (EU) 2018/790</a:t>
+            </a:r>
+            <a:r>
+              <a:rPr lang="cs-CZ" sz="3600" dirty="0">
+                <a:latin typeface="Lato" panose="020F0502020204030203" pitchFamily="34" charset="0"/>
+                <a:cs typeface="Segoe UI" panose="020B0502040204020203" pitchFamily="34" charset="0"/>
+                <a:hlinkClick r:id="rId9"/>
+              </a:rPr>
+              <a:t> </a:t>
+            </a:r>
+            <a:r>
+              <a:rPr lang="en-US" sz="3600" dirty="0">
+                <a:latin typeface="Lato" panose="020F0502020204030203" pitchFamily="34" charset="0"/>
+                <a:cs typeface="Segoe UI" panose="020B0502040204020203" pitchFamily="34" charset="0"/>
+                <a:hlinkClick r:id="rId9"/>
+              </a:rPr>
+              <a:t>on access to and preservation of scientific information</a:t>
+            </a:r>
+            <a:endParaRPr lang="en-US" sz="3600" dirty="0">
+              <a:latin typeface="Lato" panose="020F0502020204030203" pitchFamily="34" charset="0"/>
+              <a:cs typeface="Segoe UI" panose="020B0502040204020203" pitchFamily="34" charset="0"/>
+            </a:endParaRPr>
+          </a:p>
+        </p:txBody>
+      </p:sp>
+      <p:pic>
+        <p:nvPicPr>
+          <p:cNvPr id="10" name="Obrázek 9" descr="Obsah obrázku Grafika, Písmo, logo, symbol&#10;&#10;Popis byl vytvořen automaticky">
+            <a:extLst>
+              <a:ext uri="{FF2B5EF4-FFF2-40B4-BE49-F238E27FC236}">
+                <a16:creationId xmlns:a16="http://schemas.microsoft.com/office/drawing/2014/main" id="{AEC35F9F-93D7-DA6D-92AB-9B2C05234FAF}"/>
+              </a:ext>
+            </a:extLst>
+          </p:cNvPr>
+          <p:cNvPicPr>
+            <a:picLocks noChangeAspect="1"/>
+          </p:cNvPicPr>
+          <p:nvPr/>
+        </p:nvPicPr>
+        <p:blipFill>
+          <a:blip r:embed="rId10">
+            <a:extLst>
+              <a:ext uri="{28A0092B-C50C-407E-A947-70E740481C1C}">
+                <a14:useLocalDpi xmlns:a14="http://schemas.microsoft.com/office/drawing/2010/main" val="0"/>
+              </a:ext>
+            </a:extLst>
+          </a:blip>
+          <a:stretch>
+            <a:fillRect/>
+          </a:stretch>
+        </p:blipFill>
+        <p:spPr>
+          <a:xfrm>
+            <a:off x="484359" y="30148822"/>
+            <a:ext cx="1253808" cy="1221598"/>
+          </a:xfrm>
+          <a:prstGeom prst="rect">
+            <a:avLst/>
+          </a:prstGeom>
+        </p:spPr>
+      </p:pic>
+      <p:pic>
+        <p:nvPicPr>
+          <p:cNvPr id="13" name="Obrázek 12" descr="Obsah obrázku umění, Dětské kresby, snímek obrazovky&#10;&#10;Popis byl vytvořen automaticky">
+            <a:extLst>
+              <a:ext uri="{FF2B5EF4-FFF2-40B4-BE49-F238E27FC236}">
+                <a16:creationId xmlns:a16="http://schemas.microsoft.com/office/drawing/2014/main" id="{8239B2AA-6F2F-87ED-A723-87430C21A2F2}"/>
+              </a:ext>
+            </a:extLst>
+          </p:cNvPr>
+          <p:cNvPicPr>
+            <a:picLocks noChangeAspect="1"/>
+          </p:cNvPicPr>
+          <p:nvPr/>
+        </p:nvPicPr>
+        <p:blipFill>
+          <a:blip r:embed="rId11">
+            <a:extLst>
+              <a:ext uri="{28A0092B-C50C-407E-A947-70E740481C1C}">
+                <a14:useLocalDpi xmlns:a14="http://schemas.microsoft.com/office/drawing/2010/main" val="0"/>
+              </a:ext>
+            </a:extLst>
+          </a:blip>
+          <a:stretch>
+            <a:fillRect/>
+          </a:stretch>
+        </p:blipFill>
+        <p:spPr>
+          <a:xfrm>
+            <a:off x="311658" y="25710329"/>
+            <a:ext cx="1599210" cy="1599210"/>
+          </a:xfrm>
+          <a:prstGeom prst="rect">
+            <a:avLst/>
+          </a:prstGeom>
+        </p:spPr>
+      </p:pic>
+      <p:pic>
+        <p:nvPicPr>
+          <p:cNvPr id="23" name="Obrázek 22" descr="Obsah obrázku Písmo, Grafika, logo, design&#10;&#10;Popis byl vytvořen automaticky">
+            <a:extLst>
+              <a:ext uri="{FF2B5EF4-FFF2-40B4-BE49-F238E27FC236}">
+                <a16:creationId xmlns:a16="http://schemas.microsoft.com/office/drawing/2014/main" id="{82BDCA56-C7D8-5D02-66F7-BE7A80A02B5E}"/>
+              </a:ext>
+            </a:extLst>
+          </p:cNvPr>
+          <p:cNvPicPr>
+            <a:picLocks noChangeAspect="1"/>
+          </p:cNvPicPr>
+          <p:nvPr/>
+        </p:nvPicPr>
+        <p:blipFill rotWithShape="1">
+          <a:blip r:embed="rId12">
+            <a:extLst>
+              <a:ext uri="{28A0092B-C50C-407E-A947-70E740481C1C}">
+                <a14:useLocalDpi xmlns:a14="http://schemas.microsoft.com/office/drawing/2010/main" val="0"/>
+              </a:ext>
+            </a:extLst>
+          </a:blip>
+          <a:srcRect r="19063"/>
+          <a:stretch/>
+        </p:blipFill>
+        <p:spPr>
+          <a:xfrm>
+            <a:off x="335188" y="28149818"/>
+            <a:ext cx="1936941" cy="1063623"/>
+          </a:xfrm>
+          <a:prstGeom prst="rect">
+            <a:avLst/>
+          </a:prstGeom>
+        </p:spPr>
+      </p:pic>
     </p:spTree>
     <p:extLst>
       <p:ext uri="{BB962C8B-B14F-4D97-AF65-F5344CB8AC3E}">

--- a/Poster.pptx
+++ b/Poster.pptx
@@ -277,7 +277,7 @@
           <a:p>
             <a:fld id="{BD1CB04D-1C75-43E0-9B64-B7DDAA42BB2C}" type="datetimeFigureOut">
               <a:rPr lang="en-US" smtClean="0"/>
-              <a:t>5/4/2024</a:t>
+              <a:t>5/5/2024</a:t>
             </a:fld>
             <a:endParaRPr lang="en-US" dirty="0"/>
           </a:p>
@@ -763,7 +763,7 @@
           <a:p>
             <a:fld id="{3F135061-2F74-46D4-9F8F-C77EF304855D}" type="datetimeFigureOut">
               <a:rPr lang="en-US" smtClean="0"/>
-              <a:t>5/4/2024</a:t>
+              <a:t>5/5/2024</a:t>
             </a:fld>
             <a:endParaRPr lang="en-US" dirty="0"/>
           </a:p>
@@ -933,7 +933,7 @@
           <a:p>
             <a:fld id="{3F135061-2F74-46D4-9F8F-C77EF304855D}" type="datetimeFigureOut">
               <a:rPr lang="en-US" smtClean="0"/>
-              <a:t>5/4/2024</a:t>
+              <a:t>5/5/2024</a:t>
             </a:fld>
             <a:endParaRPr lang="en-US" dirty="0"/>
           </a:p>
@@ -1113,7 +1113,7 @@
           <a:p>
             <a:fld id="{3F135061-2F74-46D4-9F8F-C77EF304855D}" type="datetimeFigureOut">
               <a:rPr lang="en-US" smtClean="0"/>
-              <a:t>5/4/2024</a:t>
+              <a:t>5/5/2024</a:t>
             </a:fld>
             <a:endParaRPr lang="en-US" dirty="0"/>
           </a:p>
@@ -1283,7 +1283,7 @@
           <a:p>
             <a:fld id="{3F135061-2F74-46D4-9F8F-C77EF304855D}" type="datetimeFigureOut">
               <a:rPr lang="en-US" smtClean="0"/>
-              <a:t>5/4/2024</a:t>
+              <a:t>5/5/2024</a:t>
             </a:fld>
             <a:endParaRPr lang="en-US" dirty="0"/>
           </a:p>
@@ -1527,7 +1527,7 @@
           <a:p>
             <a:fld id="{3F135061-2F74-46D4-9F8F-C77EF304855D}" type="datetimeFigureOut">
               <a:rPr lang="en-US" smtClean="0"/>
-              <a:t>5/4/2024</a:t>
+              <a:t>5/5/2024</a:t>
             </a:fld>
             <a:endParaRPr lang="en-US" dirty="0"/>
           </a:p>
@@ -1759,7 +1759,7 @@
           <a:p>
             <a:fld id="{3F135061-2F74-46D4-9F8F-C77EF304855D}" type="datetimeFigureOut">
               <a:rPr lang="en-US" smtClean="0"/>
-              <a:t>5/4/2024</a:t>
+              <a:t>5/5/2024</a:t>
             </a:fld>
             <a:endParaRPr lang="en-US" dirty="0"/>
           </a:p>
@@ -2126,7 +2126,7 @@
           <a:p>
             <a:fld id="{3F135061-2F74-46D4-9F8F-C77EF304855D}" type="datetimeFigureOut">
               <a:rPr lang="en-US" smtClean="0"/>
-              <a:t>5/4/2024</a:t>
+              <a:t>5/5/2024</a:t>
             </a:fld>
             <a:endParaRPr lang="en-US" dirty="0"/>
           </a:p>
@@ -2244,7 +2244,7 @@
           <a:p>
             <a:fld id="{3F135061-2F74-46D4-9F8F-C77EF304855D}" type="datetimeFigureOut">
               <a:rPr lang="en-US" smtClean="0"/>
-              <a:t>5/4/2024</a:t>
+              <a:t>5/5/2024</a:t>
             </a:fld>
             <a:endParaRPr lang="en-US" dirty="0"/>
           </a:p>
@@ -2339,7 +2339,7 @@
           <a:p>
             <a:fld id="{3F135061-2F74-46D4-9F8F-C77EF304855D}" type="datetimeFigureOut">
               <a:rPr lang="en-US" smtClean="0"/>
-              <a:t>5/4/2024</a:t>
+              <a:t>5/5/2024</a:t>
             </a:fld>
             <a:endParaRPr lang="en-US" dirty="0"/>
           </a:p>
@@ -2616,7 +2616,7 @@
           <a:p>
             <a:fld id="{3F135061-2F74-46D4-9F8F-C77EF304855D}" type="datetimeFigureOut">
               <a:rPr lang="en-US" smtClean="0"/>
-              <a:t>5/4/2024</a:t>
+              <a:t>5/5/2024</a:t>
             </a:fld>
             <a:endParaRPr lang="en-US" dirty="0"/>
           </a:p>
@@ -2872,7 +2872,7 @@
           <a:p>
             <a:fld id="{3F135061-2F74-46D4-9F8F-C77EF304855D}" type="datetimeFigureOut">
               <a:rPr lang="en-US" smtClean="0"/>
-              <a:t>5/4/2024</a:t>
+              <a:t>5/5/2024</a:t>
             </a:fld>
             <a:endParaRPr lang="en-US" dirty="0"/>
           </a:p>
@@ -3085,7 +3085,7 @@
           <a:p>
             <a:fld id="{3F135061-2F74-46D4-9F8F-C77EF304855D}" type="datetimeFigureOut">
               <a:rPr lang="en-US" smtClean="0"/>
-              <a:t>5/4/2024</a:t>
+              <a:t>5/5/2024</a:t>
             </a:fld>
             <a:endParaRPr lang="en-US" dirty="0"/>
           </a:p>
@@ -3760,8 +3760,8 @@
         </p:nvSpPr>
         <p:spPr>
           <a:xfrm>
-            <a:off x="1022513" y="10251031"/>
-            <a:ext cx="9563989" cy="13976903"/>
+            <a:off x="311659" y="8490109"/>
+            <a:ext cx="12223242" cy="12647308"/>
           </a:xfrm>
           <a:prstGeom prst="rect">
             <a:avLst/>
@@ -3784,16 +3784,54 @@
                 <a:latin typeface="Lato" panose="020F0502020204030203" pitchFamily="34" charset="0"/>
                 <a:cs typeface="Segoe UI" panose="020B0502040204020203" pitchFamily="34" charset="0"/>
               </a:rPr>
-              <a:t>BACKGROUND: Who cares?</a:t>
+              <a:t>BACKGROUND:</a:t>
+            </a:r>
+            <a:r>
+              <a:rPr lang="cs-CZ" sz="3600" b="1" dirty="0">
+                <a:latin typeface="Lato" panose="020F0502020204030203" pitchFamily="34" charset="0"/>
+                <a:cs typeface="Segoe UI" panose="020B0502040204020203" pitchFamily="34" charset="0"/>
+              </a:rPr>
+              <a:t> </a:t>
             </a:r>
             <a:r>
               <a:rPr lang="en-US" sz="3600" dirty="0">
                 <a:latin typeface="Lato" panose="020F0502020204030203" pitchFamily="34" charset="0"/>
                 <a:cs typeface="Segoe UI" panose="020B0502040204020203" pitchFamily="34" charset="0"/>
               </a:rPr>
-              <a:t> Explain why your study matters in the fastest, most brutal way possible (feel free to add graphics!).</a:t>
+              <a:t>Longitudinal data analysis, which involves repeated observations of individuals, is valuable</a:t>
+            </a:r>
+            <a:r>
+              <a:rPr lang="cs-CZ" sz="3600" dirty="0">
+                <a:latin typeface="Lato" panose="020F0502020204030203" pitchFamily="34" charset="0"/>
+                <a:cs typeface="Segoe UI" panose="020B0502040204020203" pitchFamily="34" charset="0"/>
+              </a:rPr>
+              <a:t> source of </a:t>
+            </a:r>
+            <a:r>
+              <a:rPr lang="en-US" sz="3600" dirty="0">
+                <a:latin typeface="Lato" panose="020F0502020204030203" pitchFamily="34" charset="0"/>
+                <a:cs typeface="Segoe UI" panose="020B0502040204020203" pitchFamily="34" charset="0"/>
+              </a:rPr>
+              <a:t>information</a:t>
+            </a:r>
+            <a:r>
+              <a:rPr lang="cs-CZ" sz="3600" dirty="0">
+                <a:latin typeface="Lato" panose="020F0502020204030203" pitchFamily="34" charset="0"/>
+                <a:cs typeface="Segoe UI" panose="020B0502040204020203" pitchFamily="34" charset="0"/>
+              </a:rPr>
+              <a:t>,</a:t>
+            </a:r>
+            <a:r>
+              <a:rPr lang="en-US" sz="3600" dirty="0">
+                <a:latin typeface="Lato" panose="020F0502020204030203" pitchFamily="34" charset="0"/>
+                <a:cs typeface="Segoe UI" panose="020B0502040204020203" pitchFamily="34" charset="0"/>
+              </a:rPr>
+              <a:t> but limited by data protection laws. Techniques like Statistical Disclosure Control and Synthetic data generation are essential for safe data use. However, there's a notable research gap for longitudinal data, particularly in fields like health and mobile traffic, where data must often be detailed for meaningful analysis. </a:t>
             </a:r>
             <a:endParaRPr lang="en-US" sz="3600" b="1" dirty="0">
+              <a:solidFill>
+                <a:srgbClr val="8C1616"/>
+              </a:solidFill>
               <a:latin typeface="Lato" panose="020F0502020204030203" pitchFamily="34" charset="0"/>
               <a:cs typeface="Segoe UI" panose="020B0502040204020203" pitchFamily="34" charset="0"/>
             </a:endParaRPr>
@@ -3818,20 +3856,6 @@
                 <a:spcPct val="120000"/>
               </a:lnSpc>
             </a:pPr>
-            <a:endParaRPr lang="en-US" sz="3600" b="1" dirty="0">
-              <a:solidFill>
-                <a:srgbClr val="8C1616"/>
-              </a:solidFill>
-              <a:latin typeface="Lato" panose="020F0502020204030203" pitchFamily="34" charset="0"/>
-              <a:cs typeface="Segoe UI" panose="020B0502040204020203" pitchFamily="34" charset="0"/>
-            </a:endParaRPr>
-          </a:p>
-          <a:p>
-            <a:pPr>
-              <a:lnSpc>
-                <a:spcPct val="120000"/>
-              </a:lnSpc>
-            </a:pPr>
             <a:r>
               <a:rPr lang="en-US" sz="3600" b="1" dirty="0">
                 <a:solidFill>
@@ -3906,72 +3930,6 @@
               </a:rPr>
               <a:t>Try a flowchart!</a:t>
             </a:r>
-          </a:p>
-          <a:p>
-            <a:pPr>
-              <a:lnSpc>
-                <a:spcPct val="120000"/>
-              </a:lnSpc>
-            </a:pPr>
-            <a:endParaRPr lang="en-US" sz="3600" b="1" dirty="0">
-              <a:latin typeface="Lato" panose="020F0502020204030203" pitchFamily="34" charset="0"/>
-              <a:cs typeface="Segoe UI" panose="020B0502040204020203" pitchFamily="34" charset="0"/>
-            </a:endParaRPr>
-          </a:p>
-          <a:p>
-            <a:pPr>
-              <a:lnSpc>
-                <a:spcPct val="120000"/>
-              </a:lnSpc>
-            </a:pPr>
-            <a:endParaRPr lang="en-US" sz="3600" b="1" dirty="0">
-              <a:latin typeface="Lato" panose="020F0502020204030203" pitchFamily="34" charset="0"/>
-              <a:cs typeface="Segoe UI" panose="020B0502040204020203" pitchFamily="34" charset="0"/>
-            </a:endParaRPr>
-          </a:p>
-          <a:p>
-            <a:pPr>
-              <a:lnSpc>
-                <a:spcPct val="120000"/>
-              </a:lnSpc>
-            </a:pPr>
-            <a:endParaRPr lang="en-US" sz="3600" b="1" dirty="0">
-              <a:latin typeface="Lato" panose="020F0502020204030203" pitchFamily="34" charset="0"/>
-              <a:cs typeface="Segoe UI" panose="020B0502040204020203" pitchFamily="34" charset="0"/>
-            </a:endParaRPr>
-          </a:p>
-          <a:p>
-            <a:pPr>
-              <a:lnSpc>
-                <a:spcPct val="120000"/>
-              </a:lnSpc>
-            </a:pPr>
-            <a:endParaRPr lang="en-US" sz="3600" b="1" dirty="0">
-              <a:latin typeface="Lato" panose="020F0502020204030203" pitchFamily="34" charset="0"/>
-              <a:cs typeface="Segoe UI" panose="020B0502040204020203" pitchFamily="34" charset="0"/>
-            </a:endParaRPr>
-          </a:p>
-          <a:p>
-            <a:pPr>
-              <a:lnSpc>
-                <a:spcPct val="120000"/>
-              </a:lnSpc>
-            </a:pPr>
-            <a:endParaRPr lang="en-US" sz="3600" b="1" dirty="0">
-              <a:latin typeface="Lato" panose="020F0502020204030203" pitchFamily="34" charset="0"/>
-              <a:cs typeface="Segoe UI" panose="020B0502040204020203" pitchFamily="34" charset="0"/>
-            </a:endParaRPr>
-          </a:p>
-          <a:p>
-            <a:pPr>
-              <a:lnSpc>
-                <a:spcPct val="120000"/>
-              </a:lnSpc>
-            </a:pPr>
-            <a:endParaRPr lang="en-US" sz="3600" b="1" dirty="0">
-              <a:latin typeface="Lato" panose="020F0502020204030203" pitchFamily="34" charset="0"/>
-              <a:cs typeface="Segoe UI" panose="020B0502040204020203" pitchFamily="34" charset="0"/>
-            </a:endParaRPr>
           </a:p>
           <a:p>
             <a:pPr>
@@ -4704,7 +4662,7 @@
         </p:blipFill>
         <p:spPr>
           <a:xfrm>
-            <a:off x="37126841" y="28999604"/>
+            <a:off x="37126841" y="29102093"/>
             <a:ext cx="3509615" cy="3509615"/>
           </a:xfrm>
           <a:prstGeom prst="rect">
@@ -5201,6 +5159,712 @@
           <a:xfrm>
             <a:off x="335188" y="28149818"/>
             <a:ext cx="1936941" cy="1063623"/>
+          </a:xfrm>
+          <a:prstGeom prst="rect">
+            <a:avLst/>
+          </a:prstGeom>
+        </p:spPr>
+      </p:pic>
+      <p:sp>
+        <p:nvSpPr>
+          <p:cNvPr id="8" name="TextBox 2">
+            <a:extLst>
+              <a:ext uri="{FF2B5EF4-FFF2-40B4-BE49-F238E27FC236}">
+                <a16:creationId xmlns:a16="http://schemas.microsoft.com/office/drawing/2014/main" id="{3B489B79-4AA9-3643-0695-6572EA841513}"/>
+              </a:ext>
+            </a:extLst>
+          </p:cNvPr>
+          <p:cNvSpPr txBox="1"/>
+          <p:nvPr/>
+        </p:nvSpPr>
+        <p:spPr>
+          <a:xfrm>
+            <a:off x="36926054" y="27016770"/>
+            <a:ext cx="12139888" cy="2896947"/>
+          </a:xfrm>
+          <a:prstGeom prst="rect">
+            <a:avLst/>
+          </a:prstGeom>
+          <a:noFill/>
+        </p:spPr>
+        <p:txBody>
+          <a:bodyPr wrap="square" rtlCol="0">
+            <a:spAutoFit/>
+          </a:bodyPr>
+          <a:lstStyle/>
+          <a:p>
+            <a:pPr>
+              <a:lnSpc>
+                <a:spcPct val="120000"/>
+              </a:lnSpc>
+            </a:pPr>
+            <a:r>
+              <a:rPr lang="en-US" sz="3600" b="1" dirty="0">
+                <a:latin typeface="Lato" panose="020F0502020204030203" pitchFamily="34" charset="0"/>
+                <a:cs typeface="Segoe UI" panose="020B0502040204020203" pitchFamily="34" charset="0"/>
+              </a:rPr>
+              <a:t>Acknowledgments</a:t>
+            </a:r>
+          </a:p>
+          <a:p>
+            <a:pPr marL="571500" indent="-571500">
+              <a:lnSpc>
+                <a:spcPct val="120000"/>
+              </a:lnSpc>
+              <a:buFont typeface="Arial" panose="020B0604020202020204" pitchFamily="34" charset="0"/>
+              <a:buChar char="•"/>
+            </a:pPr>
+            <a:r>
+              <a:rPr lang="en-US" sz="2800" dirty="0">
+                <a:latin typeface="Lato" panose="020F0502020204030203" pitchFamily="34" charset="0"/>
+                <a:cs typeface="Segoe UI" panose="020B0502040204020203" pitchFamily="34" charset="0"/>
+              </a:rPr>
+              <a:t>This work was funded by the Swiss National Science</a:t>
+            </a:r>
+            <a:r>
+              <a:rPr lang="cs-CZ" sz="2800" dirty="0">
+                <a:latin typeface="Lato" panose="020F0502020204030203" pitchFamily="34" charset="0"/>
+                <a:cs typeface="Segoe UI" panose="020B0502040204020203" pitchFamily="34" charset="0"/>
+              </a:rPr>
+              <a:t> </a:t>
+            </a:r>
+            <a:r>
+              <a:rPr lang="en-US" sz="2800" dirty="0">
+                <a:latin typeface="Lato" panose="020F0502020204030203" pitchFamily="34" charset="0"/>
+                <a:cs typeface="Segoe UI" panose="020B0502040204020203" pitchFamily="34" charset="0"/>
+              </a:rPr>
+              <a:t>Foundation with grant number 211751</a:t>
+            </a:r>
+            <a:r>
+              <a:rPr lang="cs-CZ" sz="2800" dirty="0">
+                <a:latin typeface="Lato" panose="020F0502020204030203" pitchFamily="34" charset="0"/>
+                <a:cs typeface="Segoe UI" panose="020B0502040204020203" pitchFamily="34" charset="0"/>
+              </a:rPr>
+              <a:t>:</a:t>
+            </a:r>
+            <a:r>
+              <a:rPr lang="en-US" sz="2800" dirty="0">
+                <a:latin typeface="Lato" panose="020F0502020204030203" pitchFamily="34" charset="0"/>
+                <a:cs typeface="Segoe UI" panose="020B0502040204020203" pitchFamily="34" charset="0"/>
+              </a:rPr>
+              <a:t> "</a:t>
+            </a:r>
+            <a:r>
+              <a:rPr lang="en-US" sz="2800" i="1" dirty="0">
+                <a:latin typeface="Lato" panose="020F0502020204030203" pitchFamily="34" charset="0"/>
+                <a:cs typeface="Segoe UI" panose="020B0502040204020203" pitchFamily="34" charset="0"/>
+              </a:rPr>
+              <a:t>Harnessing event and longitudinal data in industry and health</a:t>
+            </a:r>
+            <a:r>
+              <a:rPr lang="cs-CZ" sz="2800" i="1" dirty="0">
+                <a:latin typeface="Lato" panose="020F0502020204030203" pitchFamily="34" charset="0"/>
+                <a:cs typeface="Segoe UI" panose="020B0502040204020203" pitchFamily="34" charset="0"/>
+              </a:rPr>
+              <a:t> </a:t>
+            </a:r>
+            <a:r>
+              <a:rPr lang="en-US" sz="2800" i="1" dirty="0">
+                <a:latin typeface="Lato" panose="020F0502020204030203" pitchFamily="34" charset="0"/>
+                <a:cs typeface="Segoe UI" panose="020B0502040204020203" pitchFamily="34" charset="0"/>
+              </a:rPr>
+              <a:t>sector through privacy preserving technologies</a:t>
+            </a:r>
+            <a:r>
+              <a:rPr lang="en-US" sz="2800" dirty="0">
+                <a:latin typeface="Lato" panose="020F0502020204030203" pitchFamily="34" charset="0"/>
+                <a:cs typeface="Segoe UI" panose="020B0502040204020203" pitchFamily="34" charset="0"/>
+              </a:rPr>
+              <a:t>"</a:t>
+            </a:r>
+            <a:r>
+              <a:rPr lang="cs-CZ" sz="2800" dirty="0">
+                <a:latin typeface="Lato" panose="020F0502020204030203" pitchFamily="34" charset="0"/>
+                <a:cs typeface="Segoe UI" panose="020B0502040204020203" pitchFamily="34" charset="0"/>
+              </a:rPr>
+              <a:t>.</a:t>
+            </a:r>
+          </a:p>
+          <a:p>
+            <a:pPr>
+              <a:lnSpc>
+                <a:spcPct val="120000"/>
+              </a:lnSpc>
+            </a:pPr>
+            <a:endParaRPr lang="en-US" sz="3600" dirty="0">
+              <a:latin typeface="Lato" panose="020F0502020204030203" pitchFamily="34" charset="0"/>
+              <a:cs typeface="Segoe UI" panose="020B0502040204020203" pitchFamily="34" charset="0"/>
+            </a:endParaRPr>
+          </a:p>
+        </p:txBody>
+      </p:sp>
+      <p:sp>
+        <p:nvSpPr>
+          <p:cNvPr id="9" name="Graphic 7">
+            <a:extLst>
+              <a:ext uri="{FF2B5EF4-FFF2-40B4-BE49-F238E27FC236}">
+                <a16:creationId xmlns:a16="http://schemas.microsoft.com/office/drawing/2014/main" id="{4A3760EA-FDED-FBEE-BCD8-5EA393AB1359}"/>
+              </a:ext>
+            </a:extLst>
+          </p:cNvPr>
+          <p:cNvSpPr/>
+          <p:nvPr/>
+        </p:nvSpPr>
+        <p:spPr>
+          <a:xfrm>
+            <a:off x="25021578" y="28904740"/>
+            <a:ext cx="1256803" cy="2173929"/>
+          </a:xfrm>
+          <a:custGeom>
+            <a:avLst/>
+            <a:gdLst>
+              <a:gd name="connsiteX0" fmla="*/ 321256 w 2089376"/>
+              <a:gd name="connsiteY0" fmla="*/ 0 h 3614056"/>
+              <a:gd name="connsiteX1" fmla="*/ 0 w 2089376"/>
+              <a:gd name="connsiteY1" fmla="*/ 321256 h 3614056"/>
+              <a:gd name="connsiteX2" fmla="*/ 0 w 2089376"/>
+              <a:gd name="connsiteY2" fmla="*/ 3292801 h 3614056"/>
+              <a:gd name="connsiteX3" fmla="*/ 321256 w 2089376"/>
+              <a:gd name="connsiteY3" fmla="*/ 3614057 h 3614056"/>
+              <a:gd name="connsiteX4" fmla="*/ 1815047 w 2089376"/>
+              <a:gd name="connsiteY4" fmla="*/ 3614057 h 3614056"/>
+              <a:gd name="connsiteX5" fmla="*/ 2136303 w 2089376"/>
+              <a:gd name="connsiteY5" fmla="*/ 3292801 h 3614056"/>
+              <a:gd name="connsiteX6" fmla="*/ 2136303 w 2089376"/>
+              <a:gd name="connsiteY6" fmla="*/ 321256 h 3614056"/>
+              <a:gd name="connsiteX7" fmla="*/ 1815047 w 2089376"/>
+              <a:gd name="connsiteY7" fmla="*/ 0 h 3614056"/>
+              <a:gd name="connsiteX8" fmla="*/ 321256 w 2089376"/>
+              <a:gd name="connsiteY8" fmla="*/ 0 h 3614056"/>
+              <a:gd name="connsiteX9" fmla="*/ 889115 w 2089376"/>
+              <a:gd name="connsiteY9" fmla="*/ 309397 h 3614056"/>
+              <a:gd name="connsiteX10" fmla="*/ 1247302 w 2089376"/>
+              <a:gd name="connsiteY10" fmla="*/ 309397 h 3614056"/>
+              <a:gd name="connsiteX11" fmla="*/ 1289936 w 2089376"/>
+              <a:gd name="connsiteY11" fmla="*/ 369650 h 3614056"/>
+              <a:gd name="connsiteX12" fmla="*/ 1247302 w 2089376"/>
+              <a:gd name="connsiteY12" fmla="*/ 429903 h 3614056"/>
+              <a:gd name="connsiteX13" fmla="*/ 889115 w 2089376"/>
+              <a:gd name="connsiteY13" fmla="*/ 429903 h 3614056"/>
+              <a:gd name="connsiteX14" fmla="*/ 846480 w 2089376"/>
+              <a:gd name="connsiteY14" fmla="*/ 369650 h 3614056"/>
+              <a:gd name="connsiteX15" fmla="*/ 889115 w 2089376"/>
+              <a:gd name="connsiteY15" fmla="*/ 309397 h 3614056"/>
+              <a:gd name="connsiteX16" fmla="*/ 176468 w 2089376"/>
+              <a:gd name="connsiteY16" fmla="*/ 738905 h 3614056"/>
+              <a:gd name="connsiteX17" fmla="*/ 1959892 w 2089376"/>
+              <a:gd name="connsiteY17" fmla="*/ 738905 h 3614056"/>
+              <a:gd name="connsiteX18" fmla="*/ 1959892 w 2089376"/>
+              <a:gd name="connsiteY18" fmla="*/ 2875208 h 3614056"/>
+              <a:gd name="connsiteX19" fmla="*/ 176468 w 2089376"/>
+              <a:gd name="connsiteY19" fmla="*/ 2875208 h 3614056"/>
+              <a:gd name="connsiteX20" fmla="*/ 176468 w 2089376"/>
+              <a:gd name="connsiteY20" fmla="*/ 738905 h 3614056"/>
+              <a:gd name="connsiteX21" fmla="*/ 1068180 w 2089376"/>
+              <a:gd name="connsiteY21" fmla="*/ 3045747 h 3614056"/>
+              <a:gd name="connsiteX22" fmla="*/ 1068180 w 2089376"/>
+              <a:gd name="connsiteY22" fmla="*/ 3045747 h 3614056"/>
+              <a:gd name="connsiteX23" fmla="*/ 1267066 w 2089376"/>
+              <a:gd name="connsiteY23" fmla="*/ 3244633 h 3614056"/>
+              <a:gd name="connsiteX24" fmla="*/ 1267066 w 2089376"/>
+              <a:gd name="connsiteY24" fmla="*/ 3244633 h 3614056"/>
+              <a:gd name="connsiteX25" fmla="*/ 1267066 w 2089376"/>
+              <a:gd name="connsiteY25" fmla="*/ 3244633 h 3614056"/>
+              <a:gd name="connsiteX26" fmla="*/ 1267066 w 2089376"/>
+              <a:gd name="connsiteY26" fmla="*/ 3244633 h 3614056"/>
+              <a:gd name="connsiteX27" fmla="*/ 1068180 w 2089376"/>
+              <a:gd name="connsiteY27" fmla="*/ 3443519 h 3614056"/>
+              <a:gd name="connsiteX28" fmla="*/ 1068180 w 2089376"/>
+              <a:gd name="connsiteY28" fmla="*/ 3443519 h 3614056"/>
+              <a:gd name="connsiteX29" fmla="*/ 1068180 w 2089376"/>
+              <a:gd name="connsiteY29" fmla="*/ 3443519 h 3614056"/>
+              <a:gd name="connsiteX30" fmla="*/ 1068180 w 2089376"/>
+              <a:gd name="connsiteY30" fmla="*/ 3443519 h 3614056"/>
+              <a:gd name="connsiteX31" fmla="*/ 869294 w 2089376"/>
+              <a:gd name="connsiteY31" fmla="*/ 3244633 h 3614056"/>
+              <a:gd name="connsiteX32" fmla="*/ 869294 w 2089376"/>
+              <a:gd name="connsiteY32" fmla="*/ 3244633 h 3614056"/>
+              <a:gd name="connsiteX33" fmla="*/ 869294 w 2089376"/>
+              <a:gd name="connsiteY33" fmla="*/ 3244633 h 3614056"/>
+              <a:gd name="connsiteX34" fmla="*/ 869294 w 2089376"/>
+              <a:gd name="connsiteY34" fmla="*/ 3244633 h 3614056"/>
+              <a:gd name="connsiteX35" fmla="*/ 1068180 w 2089376"/>
+              <a:gd name="connsiteY35" fmla="*/ 3045747 h 3614056"/>
+              <a:gd name="connsiteX36" fmla="*/ 1068180 w 2089376"/>
+              <a:gd name="connsiteY36" fmla="*/ 3045747 h 3614056"/>
+              <a:gd name="connsiteX37" fmla="*/ 1068180 w 2089376"/>
+              <a:gd name="connsiteY37" fmla="*/ 3045747 h 3614056"/>
+            </a:gdLst>
+            <a:ahLst/>
+            <a:cxnLst>
+              <a:cxn ang="0">
+                <a:pos x="connsiteX0" y="connsiteY0"/>
+              </a:cxn>
+              <a:cxn ang="0">
+                <a:pos x="connsiteX1" y="connsiteY1"/>
+              </a:cxn>
+              <a:cxn ang="0">
+                <a:pos x="connsiteX2" y="connsiteY2"/>
+              </a:cxn>
+              <a:cxn ang="0">
+                <a:pos x="connsiteX3" y="connsiteY3"/>
+              </a:cxn>
+              <a:cxn ang="0">
+                <a:pos x="connsiteX4" y="connsiteY4"/>
+              </a:cxn>
+              <a:cxn ang="0">
+                <a:pos x="connsiteX5" y="connsiteY5"/>
+              </a:cxn>
+              <a:cxn ang="0">
+                <a:pos x="connsiteX6" y="connsiteY6"/>
+              </a:cxn>
+              <a:cxn ang="0">
+                <a:pos x="connsiteX7" y="connsiteY7"/>
+              </a:cxn>
+              <a:cxn ang="0">
+                <a:pos x="connsiteX8" y="connsiteY8"/>
+              </a:cxn>
+              <a:cxn ang="0">
+                <a:pos x="connsiteX9" y="connsiteY9"/>
+              </a:cxn>
+              <a:cxn ang="0">
+                <a:pos x="connsiteX10" y="connsiteY10"/>
+              </a:cxn>
+              <a:cxn ang="0">
+                <a:pos x="connsiteX11" y="connsiteY11"/>
+              </a:cxn>
+              <a:cxn ang="0">
+                <a:pos x="connsiteX12" y="connsiteY12"/>
+              </a:cxn>
+              <a:cxn ang="0">
+                <a:pos x="connsiteX13" y="connsiteY13"/>
+              </a:cxn>
+              <a:cxn ang="0">
+                <a:pos x="connsiteX14" y="connsiteY14"/>
+              </a:cxn>
+              <a:cxn ang="0">
+                <a:pos x="connsiteX15" y="connsiteY15"/>
+              </a:cxn>
+              <a:cxn ang="0">
+                <a:pos x="connsiteX16" y="connsiteY16"/>
+              </a:cxn>
+              <a:cxn ang="0">
+                <a:pos x="connsiteX17" y="connsiteY17"/>
+              </a:cxn>
+              <a:cxn ang="0">
+                <a:pos x="connsiteX18" y="connsiteY18"/>
+              </a:cxn>
+              <a:cxn ang="0">
+                <a:pos x="connsiteX19" y="connsiteY19"/>
+              </a:cxn>
+              <a:cxn ang="0">
+                <a:pos x="connsiteX20" y="connsiteY20"/>
+              </a:cxn>
+              <a:cxn ang="0">
+                <a:pos x="connsiteX21" y="connsiteY21"/>
+              </a:cxn>
+              <a:cxn ang="0">
+                <a:pos x="connsiteX22" y="connsiteY22"/>
+              </a:cxn>
+              <a:cxn ang="0">
+                <a:pos x="connsiteX23" y="connsiteY23"/>
+              </a:cxn>
+              <a:cxn ang="0">
+                <a:pos x="connsiteX24" y="connsiteY24"/>
+              </a:cxn>
+              <a:cxn ang="0">
+                <a:pos x="connsiteX25" y="connsiteY25"/>
+              </a:cxn>
+              <a:cxn ang="0">
+                <a:pos x="connsiteX26" y="connsiteY26"/>
+              </a:cxn>
+              <a:cxn ang="0">
+                <a:pos x="connsiteX27" y="connsiteY27"/>
+              </a:cxn>
+              <a:cxn ang="0">
+                <a:pos x="connsiteX28" y="connsiteY28"/>
+              </a:cxn>
+              <a:cxn ang="0">
+                <a:pos x="connsiteX29" y="connsiteY29"/>
+              </a:cxn>
+              <a:cxn ang="0">
+                <a:pos x="connsiteX30" y="connsiteY30"/>
+              </a:cxn>
+              <a:cxn ang="0">
+                <a:pos x="connsiteX31" y="connsiteY31"/>
+              </a:cxn>
+              <a:cxn ang="0">
+                <a:pos x="connsiteX32" y="connsiteY32"/>
+              </a:cxn>
+              <a:cxn ang="0">
+                <a:pos x="connsiteX33" y="connsiteY33"/>
+              </a:cxn>
+              <a:cxn ang="0">
+                <a:pos x="connsiteX34" y="connsiteY34"/>
+              </a:cxn>
+              <a:cxn ang="0">
+                <a:pos x="connsiteX35" y="connsiteY35"/>
+              </a:cxn>
+              <a:cxn ang="0">
+                <a:pos x="connsiteX36" y="connsiteY36"/>
+              </a:cxn>
+              <a:cxn ang="0">
+                <a:pos x="connsiteX37" y="connsiteY37"/>
+              </a:cxn>
+            </a:cxnLst>
+            <a:rect l="l" t="t" r="r" b="b"/>
+            <a:pathLst>
+              <a:path w="2089376" h="3614056">
+                <a:moveTo>
+                  <a:pt x="321256" y="0"/>
+                </a:moveTo>
+                <a:cubicBezTo>
+                  <a:pt x="144562" y="0"/>
+                  <a:pt x="0" y="144562"/>
+                  <a:pt x="0" y="321256"/>
+                </a:cubicBezTo>
+                <a:lnTo>
+                  <a:pt x="0" y="3292801"/>
+                </a:lnTo>
+                <a:cubicBezTo>
+                  <a:pt x="0" y="3469495"/>
+                  <a:pt x="144562" y="3614057"/>
+                  <a:pt x="321256" y="3614057"/>
+                </a:cubicBezTo>
+                <a:lnTo>
+                  <a:pt x="1815047" y="3614057"/>
+                </a:lnTo>
+                <a:cubicBezTo>
+                  <a:pt x="1991741" y="3614057"/>
+                  <a:pt x="2136303" y="3469495"/>
+                  <a:pt x="2136303" y="3292801"/>
+                </a:cubicBezTo>
+                <a:lnTo>
+                  <a:pt x="2136303" y="321256"/>
+                </a:lnTo>
+                <a:cubicBezTo>
+                  <a:pt x="2136303" y="144562"/>
+                  <a:pt x="1991741" y="0"/>
+                  <a:pt x="1815047" y="0"/>
+                </a:cubicBezTo>
+                <a:lnTo>
+                  <a:pt x="321256" y="0"/>
+                </a:lnTo>
+                <a:close/>
+                <a:moveTo>
+                  <a:pt x="889115" y="309397"/>
+                </a:moveTo>
+                <a:lnTo>
+                  <a:pt x="1247302" y="309397"/>
+                </a:lnTo>
+                <a:cubicBezTo>
+                  <a:pt x="1270849" y="309397"/>
+                  <a:pt x="1289936" y="336390"/>
+                  <a:pt x="1289936" y="369650"/>
+                </a:cubicBezTo>
+                <a:cubicBezTo>
+                  <a:pt x="1289936" y="402911"/>
+                  <a:pt x="1270849" y="429903"/>
+                  <a:pt x="1247302" y="429903"/>
+                </a:cubicBezTo>
+                <a:lnTo>
+                  <a:pt x="889115" y="429903"/>
+                </a:lnTo>
+                <a:cubicBezTo>
+                  <a:pt x="865567" y="429903"/>
+                  <a:pt x="846480" y="402911"/>
+                  <a:pt x="846480" y="369650"/>
+                </a:cubicBezTo>
+                <a:cubicBezTo>
+                  <a:pt x="846480" y="336390"/>
+                  <a:pt x="865567" y="309397"/>
+                  <a:pt x="889115" y="309397"/>
+                </a:cubicBezTo>
+                <a:close/>
+                <a:moveTo>
+                  <a:pt x="176468" y="738905"/>
+                </a:moveTo>
+                <a:lnTo>
+                  <a:pt x="1959892" y="738905"/>
+                </a:lnTo>
+                <a:lnTo>
+                  <a:pt x="1959892" y="2875208"/>
+                </a:lnTo>
+                <a:lnTo>
+                  <a:pt x="176468" y="2875208"/>
+                </a:lnTo>
+                <a:lnTo>
+                  <a:pt x="176468" y="738905"/>
+                </a:lnTo>
+                <a:close/>
+                <a:moveTo>
+                  <a:pt x="1068180" y="3045747"/>
+                </a:moveTo>
+                <a:cubicBezTo>
+                  <a:pt x="1068180" y="3045747"/>
+                  <a:pt x="1068180" y="3045747"/>
+                  <a:pt x="1068180" y="3045747"/>
+                </a:cubicBezTo>
+                <a:cubicBezTo>
+                  <a:pt x="1178013" y="3045747"/>
+                  <a:pt x="1267066" y="3134799"/>
+                  <a:pt x="1267066" y="3244633"/>
+                </a:cubicBezTo>
+                <a:cubicBezTo>
+                  <a:pt x="1267066" y="3244633"/>
+                  <a:pt x="1267066" y="3244633"/>
+                  <a:pt x="1267066" y="3244633"/>
+                </a:cubicBezTo>
+                <a:lnTo>
+                  <a:pt x="1267066" y="3244633"/>
+                </a:lnTo>
+                <a:cubicBezTo>
+                  <a:pt x="1267066" y="3244633"/>
+                  <a:pt x="1267066" y="3244633"/>
+                  <a:pt x="1267066" y="3244633"/>
+                </a:cubicBezTo>
+                <a:cubicBezTo>
+                  <a:pt x="1267066" y="3354466"/>
+                  <a:pt x="1178013" y="3443519"/>
+                  <a:pt x="1068180" y="3443519"/>
+                </a:cubicBezTo>
+                <a:cubicBezTo>
+                  <a:pt x="1068180" y="3443519"/>
+                  <a:pt x="1068180" y="3443519"/>
+                  <a:pt x="1068180" y="3443519"/>
+                </a:cubicBezTo>
+                <a:lnTo>
+                  <a:pt x="1068180" y="3443519"/>
+                </a:lnTo>
+                <a:cubicBezTo>
+                  <a:pt x="1068180" y="3443519"/>
+                  <a:pt x="1068180" y="3443519"/>
+                  <a:pt x="1068180" y="3443519"/>
+                </a:cubicBezTo>
+                <a:cubicBezTo>
+                  <a:pt x="958346" y="3443519"/>
+                  <a:pt x="869294" y="3354466"/>
+                  <a:pt x="869294" y="3244633"/>
+                </a:cubicBezTo>
+                <a:cubicBezTo>
+                  <a:pt x="869294" y="3244633"/>
+                  <a:pt x="869294" y="3244633"/>
+                  <a:pt x="869294" y="3244633"/>
+                </a:cubicBezTo>
+                <a:lnTo>
+                  <a:pt x="869294" y="3244633"/>
+                </a:lnTo>
+                <a:cubicBezTo>
+                  <a:pt x="869294" y="3244633"/>
+                  <a:pt x="869294" y="3244633"/>
+                  <a:pt x="869294" y="3244633"/>
+                </a:cubicBezTo>
+                <a:cubicBezTo>
+                  <a:pt x="869294" y="3134799"/>
+                  <a:pt x="958346" y="3045747"/>
+                  <a:pt x="1068180" y="3045747"/>
+                </a:cubicBezTo>
+                <a:cubicBezTo>
+                  <a:pt x="1068180" y="3045747"/>
+                  <a:pt x="1068180" y="3045747"/>
+                  <a:pt x="1068180" y="3045747"/>
+                </a:cubicBezTo>
+                <a:lnTo>
+                  <a:pt x="1068180" y="3045747"/>
+                </a:lnTo>
+                <a:close/>
+              </a:path>
+            </a:pathLst>
+          </a:custGeom>
+          <a:solidFill>
+            <a:srgbClr val="CDCDCD"/>
+          </a:solidFill>
+          <a:ln w="56406" cap="flat">
+            <a:noFill/>
+            <a:prstDash val="solid"/>
+            <a:miter/>
+          </a:ln>
+        </p:spPr>
+        <p:txBody>
+          <a:bodyPr rtlCol="0" anchor="ctr"/>
+          <a:lstStyle/>
+          <a:p>
+            <a:endParaRPr lang="en-US">
+              <a:solidFill>
+                <a:schemeClr val="bg1">
+                  <a:lumMod val="85000"/>
+                </a:schemeClr>
+              </a:solidFill>
+            </a:endParaRPr>
+          </a:p>
+        </p:txBody>
+      </p:sp>
+      <p:sp>
+        <p:nvSpPr>
+          <p:cNvPr id="11" name="TextBox 18">
+            <a:extLst>
+              <a:ext uri="{FF2B5EF4-FFF2-40B4-BE49-F238E27FC236}">
+                <a16:creationId xmlns:a16="http://schemas.microsoft.com/office/drawing/2014/main" id="{BF8F3099-D06C-303C-4B22-5800E64F2C6A}"/>
+              </a:ext>
+            </a:extLst>
+          </p:cNvPr>
+          <p:cNvSpPr txBox="1"/>
+          <p:nvPr/>
+        </p:nvSpPr>
+        <p:spPr>
+          <a:xfrm>
+            <a:off x="26702542" y="29003674"/>
+            <a:ext cx="4723979" cy="1569660"/>
+          </a:xfrm>
+          <a:prstGeom prst="rect">
+            <a:avLst/>
+          </a:prstGeom>
+          <a:noFill/>
+        </p:spPr>
+        <p:txBody>
+          <a:bodyPr wrap="square" rtlCol="0">
+            <a:spAutoFit/>
+          </a:bodyPr>
+          <a:lstStyle/>
+          <a:p>
+            <a:r>
+              <a:rPr lang="en-US" sz="4800" dirty="0">
+                <a:solidFill>
+                  <a:srgbClr val="CDCDCD"/>
+                </a:solidFill>
+                <a:latin typeface="Lato Black" panose="020F0A02020204030203" pitchFamily="34" charset="0"/>
+                <a:cs typeface="Arial" panose="020B0604020202020204" pitchFamily="34" charset="0"/>
+              </a:rPr>
+              <a:t>Take a picture</a:t>
+            </a:r>
+            <a:r>
+              <a:rPr lang="en-US" sz="4800" dirty="0">
+                <a:solidFill>
+                  <a:srgbClr val="CDCDCD"/>
+                </a:solidFill>
+                <a:latin typeface="Lato" panose="020F0502020204030203" pitchFamily="34" charset="0"/>
+                <a:cs typeface="Arial" panose="020B0604020202020204" pitchFamily="34" charset="0"/>
+              </a:rPr>
+              <a:t> to</a:t>
+            </a:r>
+            <a:r>
+              <a:rPr lang="cs-CZ" sz="4800" dirty="0">
+                <a:solidFill>
+                  <a:srgbClr val="CDCDCD"/>
+                </a:solidFill>
+                <a:latin typeface="Lato" panose="020F0502020204030203" pitchFamily="34" charset="0"/>
+                <a:cs typeface="Arial" panose="020B0604020202020204" pitchFamily="34" charset="0"/>
+              </a:rPr>
+              <a:t> </a:t>
+            </a:r>
+            <a:r>
+              <a:rPr lang="en-US" sz="4800" dirty="0">
+                <a:solidFill>
+                  <a:srgbClr val="CDCDCD"/>
+                </a:solidFill>
+                <a:latin typeface="Lato Black" panose="020F0A02020204030203" pitchFamily="34" charset="0"/>
+                <a:cs typeface="Arial" panose="020B0604020202020204" pitchFamily="34" charset="0"/>
+              </a:rPr>
+              <a:t>download</a:t>
+            </a:r>
+            <a:r>
+              <a:rPr lang="en-US" sz="4800" dirty="0">
+                <a:solidFill>
+                  <a:srgbClr val="CDCDCD"/>
+                </a:solidFill>
+                <a:latin typeface="Lato" panose="020F0502020204030203" pitchFamily="34" charset="0"/>
+                <a:cs typeface="Arial" panose="020B0604020202020204" pitchFamily="34" charset="0"/>
+              </a:rPr>
+              <a:t> </a:t>
+            </a:r>
+            <a:endParaRPr lang="en-US" sz="4800" dirty="0">
+              <a:solidFill>
+                <a:srgbClr val="CDCDCD"/>
+              </a:solidFill>
+              <a:latin typeface="Lato Black" panose="020F0A02020204030203" pitchFamily="34" charset="0"/>
+              <a:cs typeface="Arial" panose="020B0604020202020204" pitchFamily="34" charset="0"/>
+            </a:endParaRPr>
+          </a:p>
+        </p:txBody>
+      </p:sp>
+      <p:cxnSp>
+        <p:nvCxnSpPr>
+          <p:cNvPr id="14" name="Straight Arrow Connector 23">
+            <a:extLst>
+              <a:ext uri="{FF2B5EF4-FFF2-40B4-BE49-F238E27FC236}">
+                <a16:creationId xmlns:a16="http://schemas.microsoft.com/office/drawing/2014/main" id="{43C62C69-F1A7-B376-B9DD-B396A780887D}"/>
+              </a:ext>
+            </a:extLst>
+          </p:cNvPr>
+          <p:cNvCxnSpPr>
+            <a:cxnSpLocks/>
+          </p:cNvCxnSpPr>
+          <p:nvPr/>
+        </p:nvCxnSpPr>
+        <p:spPr>
+          <a:xfrm flipH="1">
+            <a:off x="23628404" y="29911037"/>
+            <a:ext cx="1297464" cy="0"/>
+          </a:xfrm>
+          <a:prstGeom prst="straightConnector1">
+            <a:avLst/>
+          </a:prstGeom>
+          <a:ln w="66675">
+            <a:solidFill>
+              <a:schemeClr val="bg1"/>
+            </a:solidFill>
+            <a:prstDash val="sysDot"/>
+            <a:tailEnd type="triangle"/>
+          </a:ln>
+        </p:spPr>
+        <p:style>
+          <a:lnRef idx="1">
+            <a:schemeClr val="accent1"/>
+          </a:lnRef>
+          <a:fillRef idx="0">
+            <a:schemeClr val="accent1"/>
+          </a:fillRef>
+          <a:effectRef idx="0">
+            <a:schemeClr val="accent1"/>
+          </a:effectRef>
+          <a:fontRef idx="minor">
+            <a:schemeClr val="tx1"/>
+          </a:fontRef>
+        </p:style>
+      </p:cxnSp>
+      <p:pic>
+        <p:nvPicPr>
+          <p:cNvPr id="15" name="Graphic 13">
+            <a:extLst>
+              <a:ext uri="{FF2B5EF4-FFF2-40B4-BE49-F238E27FC236}">
+                <a16:creationId xmlns:a16="http://schemas.microsoft.com/office/drawing/2014/main" id="{892BE1B8-2A9A-63E5-B514-AF4834BF402E}"/>
+              </a:ext>
+            </a:extLst>
+          </p:cNvPr>
+          <p:cNvPicPr>
+            <a:picLocks noChangeAspect="1"/>
+          </p:cNvPicPr>
+          <p:nvPr/>
+        </p:nvPicPr>
+        <p:blipFill>
+          <a:blip r:embed="rId13">
+            <a:extLst>
+              <a:ext uri="{28A0092B-C50C-407E-A947-70E740481C1C}">
+                <a14:useLocalDpi xmlns:a14="http://schemas.microsoft.com/office/drawing/2010/main" val="0"/>
+              </a:ext>
+              <a:ext uri="{96DAC541-7B7A-43D3-8B79-37D633B846F1}">
+                <asvg:svgBlip xmlns:asvg="http://schemas.microsoft.com/office/drawing/2016/SVG/main" r:embed="rId14"/>
+              </a:ext>
+            </a:extLst>
+          </a:blip>
+          <a:stretch>
+            <a:fillRect/>
+          </a:stretch>
+        </p:blipFill>
+        <p:spPr>
+          <a:xfrm>
+            <a:off x="19671433" y="28100173"/>
+            <a:ext cx="3783061" cy="3783061"/>
           </a:xfrm>
           <a:prstGeom prst="rect">
             <a:avLst/>
